--- a/Project presentation.pptx
+++ b/Project presentation.pptx
@@ -253,7 +253,7 @@
           <a:p>
             <a:fld id="{1ADA7EFB-2E69-4F89-BEE6-28EA995B23A0}" type="datetimeFigureOut">
               <a:rPr lang="ru-RU" smtClean="0"/>
-              <a:t>23.04.2021</a:t>
+              <a:t>27.04.2021</a:t>
             </a:fld>
             <a:endParaRPr lang="ru-RU"/>
           </a:p>
@@ -435,7 +435,7 @@
           <a:p>
             <a:fld id="{1ADA7EFB-2E69-4F89-BEE6-28EA995B23A0}" type="datetimeFigureOut">
               <a:rPr lang="ru-RU" smtClean="0"/>
-              <a:t>23.04.2021</a:t>
+              <a:t>27.04.2021</a:t>
             </a:fld>
             <a:endParaRPr lang="ru-RU"/>
           </a:p>
@@ -627,7 +627,7 @@
           <a:p>
             <a:fld id="{1ADA7EFB-2E69-4F89-BEE6-28EA995B23A0}" type="datetimeFigureOut">
               <a:rPr lang="ru-RU" smtClean="0"/>
-              <a:t>23.04.2021</a:t>
+              <a:t>27.04.2021</a:t>
             </a:fld>
             <a:endParaRPr lang="ru-RU"/>
           </a:p>
@@ -809,7 +809,7 @@
           <a:p>
             <a:fld id="{1ADA7EFB-2E69-4F89-BEE6-28EA995B23A0}" type="datetimeFigureOut">
               <a:rPr lang="ru-RU" smtClean="0"/>
-              <a:t>23.04.2021</a:t>
+              <a:t>27.04.2021</a:t>
             </a:fld>
             <a:endParaRPr lang="ru-RU"/>
           </a:p>
@@ -1067,7 +1067,7 @@
           <a:p>
             <a:fld id="{1ADA7EFB-2E69-4F89-BEE6-28EA995B23A0}" type="datetimeFigureOut">
               <a:rPr lang="ru-RU" smtClean="0"/>
-              <a:t>23.04.2021</a:t>
+              <a:t>27.04.2021</a:t>
             </a:fld>
             <a:endParaRPr lang="ru-RU"/>
           </a:p>
@@ -1311,7 +1311,7 @@
           <a:p>
             <a:fld id="{1ADA7EFB-2E69-4F89-BEE6-28EA995B23A0}" type="datetimeFigureOut">
               <a:rPr lang="ru-RU" smtClean="0"/>
-              <a:t>23.04.2021</a:t>
+              <a:t>27.04.2021</a:t>
             </a:fld>
             <a:endParaRPr lang="ru-RU"/>
           </a:p>
@@ -1690,7 +1690,7 @@
           <a:p>
             <a:fld id="{1ADA7EFB-2E69-4F89-BEE6-28EA995B23A0}" type="datetimeFigureOut">
               <a:rPr lang="ru-RU" smtClean="0"/>
-              <a:t>23.04.2021</a:t>
+              <a:t>27.04.2021</a:t>
             </a:fld>
             <a:endParaRPr lang="ru-RU"/>
           </a:p>
@@ -1820,7 +1820,7 @@
           <a:p>
             <a:fld id="{1ADA7EFB-2E69-4F89-BEE6-28EA995B23A0}" type="datetimeFigureOut">
               <a:rPr lang="ru-RU" smtClean="0"/>
-              <a:t>23.04.2021</a:t>
+              <a:t>27.04.2021</a:t>
             </a:fld>
             <a:endParaRPr lang="ru-RU"/>
           </a:p>
@@ -1927,7 +1927,7 @@
           <a:p>
             <a:fld id="{1ADA7EFB-2E69-4F89-BEE6-28EA995B23A0}" type="datetimeFigureOut">
               <a:rPr lang="ru-RU" smtClean="0"/>
-              <a:t>23.04.2021</a:t>
+              <a:t>27.04.2021</a:t>
             </a:fld>
             <a:endParaRPr lang="ru-RU"/>
           </a:p>
@@ -2216,7 +2216,7 @@
           <a:p>
             <a:fld id="{1ADA7EFB-2E69-4F89-BEE6-28EA995B23A0}" type="datetimeFigureOut">
               <a:rPr lang="ru-RU" smtClean="0"/>
-              <a:t>23.04.2021</a:t>
+              <a:t>27.04.2021</a:t>
             </a:fld>
             <a:endParaRPr lang="ru-RU"/>
           </a:p>
@@ -2481,7 +2481,7 @@
           <a:p>
             <a:fld id="{1ADA7EFB-2E69-4F89-BEE6-28EA995B23A0}" type="datetimeFigureOut">
               <a:rPr lang="ru-RU" smtClean="0"/>
-              <a:t>23.04.2021</a:t>
+              <a:t>27.04.2021</a:t>
             </a:fld>
             <a:endParaRPr lang="ru-RU"/>
           </a:p>
@@ -2706,7 +2706,7 @@
           <a:p>
             <a:fld id="{1ADA7EFB-2E69-4F89-BEE6-28EA995B23A0}" type="datetimeFigureOut">
               <a:rPr lang="ru-RU" smtClean="0"/>
-              <a:t>23.04.2021</a:t>
+              <a:t>27.04.2021</a:t>
             </a:fld>
             <a:endParaRPr lang="ru-RU"/>
           </a:p>
@@ -3146,7 +3146,7 @@
         <p:spPr>
           <a:xfrm>
             <a:off x="32628" y="20326"/>
-            <a:ext cx="814305" cy="651443"/>
+            <a:ext cx="559555" cy="447643"/>
           </a:xfrm>
           <a:prstGeom prst="rect">
             <a:avLst/>
@@ -3155,14 +3155,14 @@
       </p:pic>
       <p:sp>
         <p:nvSpPr>
-          <p:cNvPr id="9" name="Прямоугольник 8"/>
+          <p:cNvPr id="11" name="Прямоугольник 10"/>
           <p:cNvSpPr/>
           <p:nvPr/>
         </p:nvSpPr>
         <p:spPr>
           <a:xfrm>
-            <a:off x="2729420" y="3697833"/>
-            <a:ext cx="6384825" cy="707886"/>
+            <a:off x="0" y="1717574"/>
+            <a:ext cx="12192000" cy="707886"/>
           </a:xfrm>
           <a:prstGeom prst="rect">
             <a:avLst/>
@@ -3170,69 +3170,14 @@
           <a:noFill/>
         </p:spPr>
         <p:txBody>
-          <a:bodyPr wrap="none" lIns="91440" tIns="45720" rIns="91440" bIns="45720">
+          <a:bodyPr wrap="square" lIns="91440" tIns="45720" rIns="91440" bIns="45720">
             <a:spAutoFit/>
           </a:bodyPr>
           <a:lstStyle/>
           <a:p>
             <a:pPr algn="ctr"/>
             <a:r>
-              <a:rPr lang="ru-RU" sz="4000" b="0" cap="none" spc="0" dirty="0" smtClean="0">
-                <a:ln w="0"/>
-                <a:solidFill>
-                  <a:schemeClr val="accent1"/>
-                </a:solidFill>
-                <a:effectLst>
-                  <a:outerShdw blurRad="38100" dist="25400" dir="5400000" algn="ctr" rotWithShape="0">
-                    <a:srgbClr val="6E747A">
-                      <a:alpha val="43000"/>
-                    </a:srgbClr>
-                  </a:outerShdw>
-                </a:effectLst>
-              </a:rPr>
-              <a:t>Магазин сотовых телефонов</a:t>
-            </a:r>
-            <a:endParaRPr lang="ru-RU" sz="4000" b="0" cap="none" spc="0" dirty="0">
-              <a:ln w="0"/>
-              <a:solidFill>
-                <a:schemeClr val="accent1"/>
-              </a:solidFill>
-              <a:effectLst>
-                <a:outerShdw blurRad="38100" dist="25400" dir="5400000" algn="ctr" rotWithShape="0">
-                  <a:srgbClr val="6E747A">
-                    <a:alpha val="43000"/>
-                  </a:srgbClr>
-                </a:outerShdw>
-              </a:effectLst>
-            </a:endParaRPr>
-          </a:p>
-        </p:txBody>
-      </p:sp>
-      <p:sp>
-        <p:nvSpPr>
-          <p:cNvPr id="11" name="Прямоугольник 10"/>
-          <p:cNvSpPr/>
-          <p:nvPr/>
-        </p:nvSpPr>
-        <p:spPr>
-          <a:xfrm>
-            <a:off x="4399622" y="2497504"/>
-            <a:ext cx="3044423" cy="1200329"/>
-          </a:xfrm>
-          <a:prstGeom prst="rect">
-            <a:avLst/>
-          </a:prstGeom>
-          <a:noFill/>
-        </p:spPr>
-        <p:txBody>
-          <a:bodyPr wrap="none" lIns="91440" tIns="45720" rIns="91440" bIns="45720">
-            <a:spAutoFit/>
-          </a:bodyPr>
-          <a:lstStyle/>
-          <a:p>
-            <a:pPr algn="ctr"/>
-            <a:r>
-              <a:rPr lang="en-US" sz="7200" b="1" dirty="0" smtClean="0">
+              <a:rPr lang="ru-RU" sz="4000" b="1" dirty="0" smtClean="0">
                 <a:ln w="12700">
                   <a:solidFill>
                     <a:schemeClr val="accent1"/>
@@ -3256,29 +3201,175 @@
                   </a:outerShdw>
                 </a:effectLst>
               </a:rPr>
-              <a:t>Shop52</a:t>
-            </a:r>
-            <a:endParaRPr lang="ru-RU" sz="7200" b="1" cap="none" spc="0" dirty="0">
-              <a:ln w="12700">
+              <a:t> </a:t>
+            </a:r>
+          </a:p>
+        </p:txBody>
+      </p:sp>
+      <p:sp>
+        <p:nvSpPr>
+          <p:cNvPr id="2" name="Прямоугольник 1"/>
+          <p:cNvSpPr/>
+          <p:nvPr/>
+        </p:nvSpPr>
+        <p:spPr>
+          <a:xfrm>
+            <a:off x="807533" y="1506088"/>
+            <a:ext cx="10576934" cy="3416320"/>
+          </a:xfrm>
+          <a:prstGeom prst="rect">
+            <a:avLst/>
+          </a:prstGeom>
+          <a:noFill/>
+        </p:spPr>
+        <p:txBody>
+          <a:bodyPr wrap="none" lIns="91440" tIns="45720" rIns="91440" bIns="45720">
+            <a:spAutoFit/>
+          </a:bodyPr>
+          <a:lstStyle/>
+          <a:p>
+            <a:pPr algn="ctr"/>
+            <a:r>
+              <a:rPr lang="ru-RU" sz="5400" dirty="0">
+                <a:ln w="0"/>
                 <a:solidFill>
                   <a:schemeClr val="accent1"/>
                 </a:solidFill>
-                <a:prstDash val="solid"/>
-              </a:ln>
-              <a:pattFill prst="pct50">
-                <a:fgClr>
+                <a:effectLst>
+                  <a:outerShdw blurRad="38100" dist="25400" dir="5400000" algn="ctr" rotWithShape="0">
+                    <a:srgbClr val="6E747A">
+                      <a:alpha val="43000"/>
+                    </a:srgbClr>
+                  </a:outerShdw>
+                </a:effectLst>
+              </a:rPr>
+              <a:t>Презентация для защиты проекта </a:t>
+            </a:r>
+            <a:endParaRPr lang="en-US" sz="5400" dirty="0">
+              <a:ln w="0"/>
+              <a:solidFill>
+                <a:schemeClr val="accent1"/>
+              </a:solidFill>
+              <a:effectLst>
+                <a:outerShdw blurRad="38100" dist="25400" dir="5400000" algn="ctr" rotWithShape="0">
+                  <a:srgbClr val="6E747A">
+                    <a:alpha val="43000"/>
+                  </a:srgbClr>
+                </a:outerShdw>
+              </a:effectLst>
+            </a:endParaRPr>
+          </a:p>
+          <a:p>
+            <a:pPr algn="ctr"/>
+            <a:r>
+              <a:rPr lang="ru-RU" sz="5400" dirty="0">
+                <a:ln w="0"/>
+                <a:solidFill>
                   <a:schemeClr val="accent1"/>
-                </a:fgClr>
-                <a:bgClr>
-                  <a:schemeClr val="accent1">
-                    <a:lumMod val="20000"/>
-                    <a:lumOff val="80000"/>
-                  </a:schemeClr>
-                </a:bgClr>
-              </a:pattFill>
+                </a:solidFill>
+                <a:effectLst>
+                  <a:outerShdw blurRad="38100" dist="25400" dir="5400000" algn="ctr" rotWithShape="0">
+                    <a:srgbClr val="6E747A">
+                      <a:alpha val="43000"/>
+                    </a:srgbClr>
+                  </a:outerShdw>
+                </a:effectLst>
+              </a:rPr>
+              <a:t>по итогам прохождения курса </a:t>
+            </a:r>
+            <a:endParaRPr lang="en-US" sz="5400" dirty="0">
+              <a:ln w="0"/>
+              <a:solidFill>
+                <a:schemeClr val="accent1"/>
+              </a:solidFill>
               <a:effectLst>
-                <a:outerShdw dist="38100" dir="2640000" algn="bl" rotWithShape="0">
+                <a:outerShdw blurRad="38100" dist="25400" dir="5400000" algn="ctr" rotWithShape="0">
+                  <a:srgbClr val="6E747A">
+                    <a:alpha val="43000"/>
+                  </a:srgbClr>
+                </a:outerShdw>
+              </a:effectLst>
+            </a:endParaRPr>
+          </a:p>
+          <a:p>
+            <a:pPr algn="ctr"/>
+            <a:r>
+              <a:rPr lang="en-US" sz="5400" dirty="0" smtClean="0">
+                <a:ln w="0"/>
+                <a:solidFill>
                   <a:schemeClr val="accent1"/>
+                </a:solidFill>
+                <a:effectLst>
+                  <a:outerShdw blurRad="38100" dist="25400" dir="5400000" algn="ctr" rotWithShape="0">
+                    <a:srgbClr val="6E747A">
+                      <a:alpha val="43000"/>
+                    </a:srgbClr>
+                  </a:outerShdw>
+                </a:effectLst>
+              </a:rPr>
+              <a:t>Java </a:t>
+            </a:r>
+            <a:r>
+              <a:rPr lang="en-US" sz="5400" dirty="0">
+                <a:ln w="0"/>
+                <a:solidFill>
+                  <a:schemeClr val="accent1"/>
+                </a:solidFill>
+                <a:effectLst>
+                  <a:outerShdw blurRad="38100" dist="25400" dir="5400000" algn="ctr" rotWithShape="0">
+                    <a:srgbClr val="6E747A">
+                      <a:alpha val="43000"/>
+                    </a:srgbClr>
+                  </a:outerShdw>
+                </a:effectLst>
+              </a:rPr>
+              <a:t>Software Development           </a:t>
+            </a:r>
+          </a:p>
+          <a:p>
+            <a:pPr algn="ctr"/>
+            <a:r>
+              <a:rPr lang="ru-RU" sz="5400" dirty="0">
+                <a:ln w="0"/>
+                <a:solidFill>
+                  <a:schemeClr val="accent1"/>
+                </a:solidFill>
+                <a:effectLst>
+                  <a:outerShdw blurRad="38100" dist="25400" dir="5400000" algn="ctr" rotWithShape="0">
+                    <a:srgbClr val="6E747A">
+                      <a:alpha val="43000"/>
+                    </a:srgbClr>
+                  </a:outerShdw>
+                </a:effectLst>
+              </a:rPr>
+              <a:t>от компании </a:t>
+            </a:r>
+            <a:r>
+              <a:rPr lang="en-US" sz="5400" dirty="0">
+                <a:ln w="0"/>
+                <a:solidFill>
+                  <a:schemeClr val="accent1"/>
+                </a:solidFill>
+                <a:effectLst>
+                  <a:outerShdw blurRad="38100" dist="25400" dir="5400000" algn="ctr" rotWithShape="0">
+                    <a:srgbClr val="6E747A">
+                      <a:alpha val="43000"/>
+                    </a:srgbClr>
+                  </a:outerShdw>
+                </a:effectLst>
+              </a:rPr>
+              <a:t>Netcracker</a:t>
+            </a:r>
+            <a:endParaRPr lang="ru-RU" sz="5400" dirty="0">
+              <a:ln w="0"/>
+              <a:solidFill>
+                <a:schemeClr val="accent1"/>
+              </a:solidFill>
+              <a:effectLst>
+                <a:outerShdw blurRad="38100" dist="25400" dir="5400000" algn="ctr" rotWithShape="0">
+                  <a:srgbClr val="6E747A">
+                    <a:alpha val="43000"/>
+                  </a:srgbClr>
                 </a:outerShdw>
               </a:effectLst>
             </a:endParaRPr>
@@ -3506,6 +3597,36 @@
           <a:xfrm>
             <a:off x="5762372" y="1064734"/>
             <a:ext cx="5743001" cy="3144278"/>
+          </a:xfrm>
+          <a:prstGeom prst="rect">
+            <a:avLst/>
+          </a:prstGeom>
+        </p:spPr>
+      </p:pic>
+      <p:pic>
+        <p:nvPicPr>
+          <p:cNvPr id="6" name="Рисунок 5"/>
+          <p:cNvPicPr>
+            <a:picLocks noChangeAspect="1"/>
+          </p:cNvPicPr>
+          <p:nvPr/>
+        </p:nvPicPr>
+        <p:blipFill>
+          <a:blip r:embed="rId4">
+            <a:extLst>
+              <a:ext uri="{28A0092B-C50C-407E-A947-70E740481C1C}">
+                <a14:useLocalDpi xmlns:a14="http://schemas.microsoft.com/office/drawing/2010/main" val="0"/>
+              </a:ext>
+            </a:extLst>
+          </a:blip>
+          <a:stretch>
+            <a:fillRect/>
+          </a:stretch>
+        </p:blipFill>
+        <p:spPr>
+          <a:xfrm>
+            <a:off x="32628" y="20326"/>
+            <a:ext cx="559555" cy="447643"/>
           </a:xfrm>
           <a:prstGeom prst="rect">
             <a:avLst/>
@@ -3616,6 +3737,36 @@
           </a:p>
         </p:txBody>
       </p:sp>
+      <p:pic>
+        <p:nvPicPr>
+          <p:cNvPr id="3" name="Рисунок 2"/>
+          <p:cNvPicPr>
+            <a:picLocks noChangeAspect="1"/>
+          </p:cNvPicPr>
+          <p:nvPr/>
+        </p:nvPicPr>
+        <p:blipFill>
+          <a:blip r:embed="rId2">
+            <a:extLst>
+              <a:ext uri="{28A0092B-C50C-407E-A947-70E740481C1C}">
+                <a14:useLocalDpi xmlns:a14="http://schemas.microsoft.com/office/drawing/2010/main" val="0"/>
+              </a:ext>
+            </a:extLst>
+          </a:blip>
+          <a:stretch>
+            <a:fillRect/>
+          </a:stretch>
+        </p:blipFill>
+        <p:spPr>
+          <a:xfrm>
+            <a:off x="32628" y="20326"/>
+            <a:ext cx="559555" cy="447643"/>
+          </a:xfrm>
+          <a:prstGeom prst="rect">
+            <a:avLst/>
+          </a:prstGeom>
+        </p:spPr>
+      </p:pic>
     </p:spTree>
     <p:extLst>
       <p:ext uri="{BB962C8B-B14F-4D97-AF65-F5344CB8AC3E}">
@@ -3763,6 +3914,36 @@
           </a:p>
         </p:txBody>
       </p:sp>
+      <p:pic>
+        <p:nvPicPr>
+          <p:cNvPr id="6" name="Рисунок 5"/>
+          <p:cNvPicPr>
+            <a:picLocks noChangeAspect="1"/>
+          </p:cNvPicPr>
+          <p:nvPr/>
+        </p:nvPicPr>
+        <p:blipFill>
+          <a:blip r:embed="rId2">
+            <a:extLst>
+              <a:ext uri="{28A0092B-C50C-407E-A947-70E740481C1C}">
+                <a14:useLocalDpi xmlns:a14="http://schemas.microsoft.com/office/drawing/2010/main" val="0"/>
+              </a:ext>
+            </a:extLst>
+          </a:blip>
+          <a:stretch>
+            <a:fillRect/>
+          </a:stretch>
+        </p:blipFill>
+        <p:spPr>
+          <a:xfrm>
+            <a:off x="32628" y="20326"/>
+            <a:ext cx="559555" cy="447643"/>
+          </a:xfrm>
+          <a:prstGeom prst="rect">
+            <a:avLst/>
+          </a:prstGeom>
+        </p:spPr>
+      </p:pic>
     </p:spTree>
     <p:extLst>
       <p:ext uri="{BB962C8B-B14F-4D97-AF65-F5344CB8AC3E}">
@@ -3822,18 +4003,39 @@
             <p:ph idx="1"/>
           </p:nvPr>
         </p:nvSpPr>
-        <p:spPr/>
-        <p:txBody>
-          <a:bodyPr/>
+        <p:spPr>
+          <a:xfrm>
+            <a:off x="740340" y="1367650"/>
+            <a:ext cx="11172985" cy="5181195"/>
+          </a:xfrm>
+        </p:spPr>
+        <p:txBody>
+          <a:bodyPr>
+            <a:normAutofit fontScale="77500" lnSpcReduction="20000"/>
+          </a:bodyPr>
           <a:lstStyle/>
           <a:p>
             <a:pPr marL="0" indent="0">
               <a:buNone/>
             </a:pPr>
             <a:r>
-              <a:rPr lang="ru-RU" dirty="0" smtClean="0"/>
-              <a:t>В ходе разработки были использованы следующие технологии:</a:t>
-            </a:r>
+              <a:rPr lang="ru-RU" sz="3600" dirty="0" smtClean="0"/>
+              <a:t>В </a:t>
+            </a:r>
+            <a:r>
+              <a:rPr lang="ru-RU" sz="3600" dirty="0" smtClean="0"/>
+              <a:t>ходе разработки были использованы следующие технологии</a:t>
+            </a:r>
+            <a:r>
+              <a:rPr lang="ru-RU" sz="3600" dirty="0" smtClean="0"/>
+              <a:t>:</a:t>
+            </a:r>
+          </a:p>
+          <a:p>
+            <a:pPr marL="0" indent="0">
+              <a:buNone/>
+            </a:pPr>
+            <a:endParaRPr lang="ru-RU" dirty="0" smtClean="0"/>
           </a:p>
           <a:p>
             <a:pPr>
@@ -3841,9 +4043,43 @@
               <a:buChar char="-"/>
             </a:pPr>
             <a:r>
+              <a:rPr lang="en-US" b="1" i="1" dirty="0" smtClean="0"/>
+              <a:t>Spring </a:t>
+            </a:r>
+            <a:r>
+              <a:rPr lang="en-US" b="1" i="1" dirty="0" smtClean="0"/>
+              <a:t>Boot </a:t>
+            </a:r>
+            <a:r>
+              <a:rPr lang="ru-RU" dirty="0" smtClean="0"/>
+              <a:t>– универсальный фреймворк с открытым исходным кодом для </a:t>
+            </a:r>
+            <a:r>
               <a:rPr lang="en-US" dirty="0" smtClean="0"/>
-              <a:t>Spring Boot</a:t>
-            </a:r>
+              <a:t>Java-</a:t>
+            </a:r>
+            <a:r>
+              <a:rPr lang="ru-RU" dirty="0" smtClean="0"/>
+              <a:t>платформы</a:t>
+            </a:r>
+            <a:r>
+              <a:rPr lang="ru-RU" dirty="0" smtClean="0"/>
+              <a:t>. Упрощает настройки и разработку приложения, т.к. минимизируется конфигурирование </a:t>
+            </a:r>
+            <a:r>
+              <a:rPr lang="en-US" dirty="0" smtClean="0"/>
+              <a:t>Spring</a:t>
+            </a:r>
+            <a:r>
+              <a:rPr lang="ru-RU" dirty="0" smtClean="0"/>
+              <a:t>.</a:t>
+            </a:r>
+          </a:p>
+          <a:p>
+            <a:pPr marL="0" indent="0">
+              <a:buNone/>
+            </a:pPr>
+            <a:endParaRPr lang="en-US" dirty="0" smtClean="0"/>
           </a:p>
           <a:p>
             <a:pPr>
@@ -3851,9 +4087,24 @@
               <a:buChar char="-"/>
             </a:pPr>
             <a:r>
+              <a:rPr lang="en-US" b="1" i="1" dirty="0" smtClean="0"/>
+              <a:t>H2 Database </a:t>
+            </a:r>
+            <a:r>
+              <a:rPr lang="ru-RU" dirty="0" smtClean="0"/>
+              <a:t>– открытая кроссплатформенная СУБД, полностью написанная на языке </a:t>
+            </a:r>
+            <a:r>
               <a:rPr lang="en-US" dirty="0" smtClean="0"/>
-              <a:t>H2 Database </a:t>
-            </a:r>
+              <a:t>Java.</a:t>
+            </a:r>
+            <a:endParaRPr lang="ru-RU" dirty="0" smtClean="0"/>
+          </a:p>
+          <a:p>
+            <a:pPr marL="0" indent="0">
+              <a:buNone/>
+            </a:pPr>
+            <a:endParaRPr lang="en-US" dirty="0" smtClean="0"/>
           </a:p>
           <a:p>
             <a:pPr>
@@ -3861,9 +4112,36 @@
               <a:buChar char="-"/>
             </a:pPr>
             <a:r>
+              <a:rPr lang="en-US" b="1" i="1" dirty="0" smtClean="0"/>
+              <a:t>REST </a:t>
+            </a:r>
+            <a:r>
+              <a:rPr lang="en-US" b="1" i="1" dirty="0" smtClean="0"/>
+              <a:t>API</a:t>
+            </a:r>
+            <a:r>
+              <a:rPr lang="ru-RU" b="1" i="1" dirty="0" smtClean="0"/>
+              <a:t> </a:t>
+            </a:r>
+            <a:r>
+              <a:rPr lang="ru-RU" dirty="0" smtClean="0"/>
+              <a:t>– архитектурный стиль взаимодействия компонентов распределенного приложения в сети. Позволяет наилучшим образо</a:t>
+            </a:r>
+            <a:r>
+              <a:rPr lang="ru-RU" dirty="0" smtClean="0"/>
+              <a:t>м использовать протокол </a:t>
+            </a:r>
+            <a:r>
               <a:rPr lang="en-US" dirty="0" smtClean="0"/>
-              <a:t>REST API</a:t>
-            </a:r>
+              <a:t>HTTP.</a:t>
+            </a:r>
+            <a:endParaRPr lang="ru-RU" dirty="0" smtClean="0"/>
+          </a:p>
+          <a:p>
+            <a:pPr marL="0" indent="0">
+              <a:buNone/>
+            </a:pPr>
+            <a:endParaRPr lang="en-US" dirty="0" smtClean="0"/>
           </a:p>
           <a:p>
             <a:pPr>
@@ -3871,9 +4149,35 @@
               <a:buChar char="-"/>
             </a:pPr>
             <a:r>
+              <a:rPr lang="en-US" b="1" i="1" dirty="0" smtClean="0"/>
+              <a:t>ReactJS</a:t>
+            </a:r>
+            <a:r>
+              <a:rPr lang="ru-RU" dirty="0" smtClean="0"/>
+              <a:t> – </a:t>
+            </a:r>
+            <a:r>
               <a:rPr lang="en-US" dirty="0" smtClean="0"/>
-              <a:t>ReactJS</a:t>
-            </a:r>
+              <a:t>JavaScript-</a:t>
+            </a:r>
+            <a:r>
+              <a:rPr lang="ru-RU" dirty="0" smtClean="0"/>
+              <a:t>библиотека с открытым исходным кодом для разработки пользовательского интерфейса. Разрабатывается и поддерживается </a:t>
+            </a:r>
+            <a:r>
+              <a:rPr lang="en-US" dirty="0" smtClean="0"/>
+              <a:t>Facebook, Inc.</a:t>
+            </a:r>
+            <a:r>
+              <a:rPr lang="ru-RU" dirty="0" smtClean="0"/>
+              <a:t> </a:t>
+            </a:r>
+          </a:p>
+          <a:p>
+            <a:pPr marL="0" indent="0">
+              <a:buNone/>
+            </a:pPr>
+            <a:endParaRPr lang="en-US" dirty="0" smtClean="0"/>
           </a:p>
           <a:p>
             <a:pPr>
@@ -3881,8 +4185,20 @@
               <a:buChar char="-"/>
             </a:pPr>
             <a:r>
-              <a:rPr lang="en-US" dirty="0" smtClean="0"/>
-              <a:t>Ant Design	</a:t>
+              <a:rPr lang="en-US" b="1" i="1" dirty="0" smtClean="0"/>
+              <a:t>Ant </a:t>
+            </a:r>
+            <a:r>
+              <a:rPr lang="en-US" b="1" i="1" dirty="0" smtClean="0"/>
+              <a:t>Design</a:t>
+            </a:r>
+            <a:r>
+              <a:rPr lang="ru-RU" b="1" i="1" dirty="0" smtClean="0"/>
+              <a:t> </a:t>
+            </a:r>
+            <a:r>
+              <a:rPr lang="ru-RU" dirty="0" smtClean="0"/>
+              <a:t>- полноценная дизайн-система, визуальный язык со своими принципами, стайлгайдами и библиотекой компонентов.</a:t>
             </a:r>
             <a:endParaRPr lang="ru-RU" dirty="0"/>
           </a:p>
@@ -3896,7 +4212,7 @@
         </p:nvSpPr>
         <p:spPr>
           <a:xfrm>
-            <a:off x="740341" y="566241"/>
+            <a:off x="740340" y="380884"/>
             <a:ext cx="6670545" cy="923330"/>
           </a:xfrm>
           <a:prstGeom prst="rect">
@@ -3943,6 +4259,36 @@
           </a:p>
         </p:txBody>
       </p:sp>
+      <p:pic>
+        <p:nvPicPr>
+          <p:cNvPr id="6" name="Рисунок 5"/>
+          <p:cNvPicPr>
+            <a:picLocks noChangeAspect="1"/>
+          </p:cNvPicPr>
+          <p:nvPr/>
+        </p:nvPicPr>
+        <p:blipFill>
+          <a:blip r:embed="rId2">
+            <a:extLst>
+              <a:ext uri="{28A0092B-C50C-407E-A947-70E740481C1C}">
+                <a14:useLocalDpi xmlns:a14="http://schemas.microsoft.com/office/drawing/2010/main" val="0"/>
+              </a:ext>
+            </a:extLst>
+          </a:blip>
+          <a:stretch>
+            <a:fillRect/>
+          </a:stretch>
+        </p:blipFill>
+        <p:spPr>
+          <a:xfrm>
+            <a:off x="32628" y="20326"/>
+            <a:ext cx="559555" cy="447643"/>
+          </a:xfrm>
+          <a:prstGeom prst="rect">
+            <a:avLst/>
+          </a:prstGeom>
+        </p:spPr>
+      </p:pic>
     </p:spTree>
     <p:extLst>
       <p:ext uri="{BB962C8B-B14F-4D97-AF65-F5344CB8AC3E}">
@@ -4077,6 +4423,36 @@
           </a:prstGeom>
         </p:spPr>
       </p:pic>
+      <p:pic>
+        <p:nvPicPr>
+          <p:cNvPr id="7" name="Рисунок 6"/>
+          <p:cNvPicPr>
+            <a:picLocks noChangeAspect="1"/>
+          </p:cNvPicPr>
+          <p:nvPr/>
+        </p:nvPicPr>
+        <p:blipFill>
+          <a:blip r:embed="rId3">
+            <a:extLst>
+              <a:ext uri="{28A0092B-C50C-407E-A947-70E740481C1C}">
+                <a14:useLocalDpi xmlns:a14="http://schemas.microsoft.com/office/drawing/2010/main" val="0"/>
+              </a:ext>
+            </a:extLst>
+          </a:blip>
+          <a:stretch>
+            <a:fillRect/>
+          </a:stretch>
+        </p:blipFill>
+        <p:spPr>
+          <a:xfrm>
+            <a:off x="32628" y="20326"/>
+            <a:ext cx="559555" cy="447643"/>
+          </a:xfrm>
+          <a:prstGeom prst="rect">
+            <a:avLst/>
+          </a:prstGeom>
+        </p:spPr>
+      </p:pic>
     </p:spTree>
     <p:extLst>
       <p:ext uri="{BB962C8B-B14F-4D97-AF65-F5344CB8AC3E}">
@@ -4099,6 +4475,13 @@
       </p:transition>
     </mc:Fallback>
   </mc:AlternateContent>
+  <p:timing>
+    <p:tnLst>
+      <p:par>
+        <p:cTn id="1" dur="indefinite" restart="never" nodeType="tmRoot"/>
+      </p:par>
+    </p:tnLst>
+  </p:timing>
 </p:sld>
 </file>
 
@@ -4221,6 +4604,36 @@
           </a:p>
         </p:txBody>
       </p:sp>
+      <p:pic>
+        <p:nvPicPr>
+          <p:cNvPr id="6" name="Рисунок 5"/>
+          <p:cNvPicPr>
+            <a:picLocks noChangeAspect="1"/>
+          </p:cNvPicPr>
+          <p:nvPr/>
+        </p:nvPicPr>
+        <p:blipFill>
+          <a:blip r:embed="rId2">
+            <a:extLst>
+              <a:ext uri="{28A0092B-C50C-407E-A947-70E740481C1C}">
+                <a14:useLocalDpi xmlns:a14="http://schemas.microsoft.com/office/drawing/2010/main" val="0"/>
+              </a:ext>
+            </a:extLst>
+          </a:blip>
+          <a:stretch>
+            <a:fillRect/>
+          </a:stretch>
+        </p:blipFill>
+        <p:spPr>
+          <a:xfrm>
+            <a:off x="32628" y="20326"/>
+            <a:ext cx="559555" cy="447643"/>
+          </a:xfrm>
+          <a:prstGeom prst="rect">
+            <a:avLst/>
+          </a:prstGeom>
+        </p:spPr>
+      </p:pic>
     </p:spTree>
     <p:extLst>
       <p:ext uri="{BB962C8B-B14F-4D97-AF65-F5344CB8AC3E}">
@@ -4397,6 +4810,36 @@
           <a:xfrm>
             <a:off x="1349827" y="1202189"/>
             <a:ext cx="9492343" cy="3861207"/>
+          </a:xfrm>
+          <a:prstGeom prst="rect">
+            <a:avLst/>
+          </a:prstGeom>
+        </p:spPr>
+      </p:pic>
+      <p:pic>
+        <p:nvPicPr>
+          <p:cNvPr id="8" name="Рисунок 7"/>
+          <p:cNvPicPr>
+            <a:picLocks noChangeAspect="1"/>
+          </p:cNvPicPr>
+          <p:nvPr/>
+        </p:nvPicPr>
+        <p:blipFill>
+          <a:blip r:embed="rId3">
+            <a:extLst>
+              <a:ext uri="{28A0092B-C50C-407E-A947-70E740481C1C}">
+                <a14:useLocalDpi xmlns:a14="http://schemas.microsoft.com/office/drawing/2010/main" val="0"/>
+              </a:ext>
+            </a:extLst>
+          </a:blip>
+          <a:stretch>
+            <a:fillRect/>
+          </a:stretch>
+        </p:blipFill>
+        <p:spPr>
+          <a:xfrm>
+            <a:off x="32628" y="20326"/>
+            <a:ext cx="559555" cy="447643"/>
           </a:xfrm>
           <a:prstGeom prst="rect">
             <a:avLst/>
@@ -4585,6 +5028,36 @@
           </a:p>
         </p:txBody>
       </p:sp>
+      <p:pic>
+        <p:nvPicPr>
+          <p:cNvPr id="8" name="Рисунок 7"/>
+          <p:cNvPicPr>
+            <a:picLocks noChangeAspect="1"/>
+          </p:cNvPicPr>
+          <p:nvPr/>
+        </p:nvPicPr>
+        <p:blipFill>
+          <a:blip r:embed="rId3">
+            <a:extLst>
+              <a:ext uri="{28A0092B-C50C-407E-A947-70E740481C1C}">
+                <a14:useLocalDpi xmlns:a14="http://schemas.microsoft.com/office/drawing/2010/main" val="0"/>
+              </a:ext>
+            </a:extLst>
+          </a:blip>
+          <a:stretch>
+            <a:fillRect/>
+          </a:stretch>
+        </p:blipFill>
+        <p:spPr>
+          <a:xfrm>
+            <a:off x="32628" y="20326"/>
+            <a:ext cx="559555" cy="447643"/>
+          </a:xfrm>
+          <a:prstGeom prst="rect">
+            <a:avLst/>
+          </a:prstGeom>
+        </p:spPr>
+      </p:pic>
     </p:spTree>
     <p:extLst>
       <p:ext uri="{BB962C8B-B14F-4D97-AF65-F5344CB8AC3E}">
@@ -4773,6 +5246,36 @@
           </a:p>
         </p:txBody>
       </p:sp>
+      <p:pic>
+        <p:nvPicPr>
+          <p:cNvPr id="7" name="Рисунок 6"/>
+          <p:cNvPicPr>
+            <a:picLocks noChangeAspect="1"/>
+          </p:cNvPicPr>
+          <p:nvPr/>
+        </p:nvPicPr>
+        <p:blipFill>
+          <a:blip r:embed="rId3">
+            <a:extLst>
+              <a:ext uri="{28A0092B-C50C-407E-A947-70E740481C1C}">
+                <a14:useLocalDpi xmlns:a14="http://schemas.microsoft.com/office/drawing/2010/main" val="0"/>
+              </a:ext>
+            </a:extLst>
+          </a:blip>
+          <a:stretch>
+            <a:fillRect/>
+          </a:stretch>
+        </p:blipFill>
+        <p:spPr>
+          <a:xfrm>
+            <a:off x="32628" y="20326"/>
+            <a:ext cx="559555" cy="447643"/>
+          </a:xfrm>
+          <a:prstGeom prst="rect">
+            <a:avLst/>
+          </a:prstGeom>
+        </p:spPr>
+      </p:pic>
     </p:spTree>
     <p:extLst>
       <p:ext uri="{BB962C8B-B14F-4D97-AF65-F5344CB8AC3E}">
@@ -4963,6 +5466,36 @@
           </a:p>
         </p:txBody>
       </p:sp>
+      <p:pic>
+        <p:nvPicPr>
+          <p:cNvPr id="7" name="Рисунок 6"/>
+          <p:cNvPicPr>
+            <a:picLocks noChangeAspect="1"/>
+          </p:cNvPicPr>
+          <p:nvPr/>
+        </p:nvPicPr>
+        <p:blipFill>
+          <a:blip r:embed="rId3">
+            <a:extLst>
+              <a:ext uri="{28A0092B-C50C-407E-A947-70E740481C1C}">
+                <a14:useLocalDpi xmlns:a14="http://schemas.microsoft.com/office/drawing/2010/main" val="0"/>
+              </a:ext>
+            </a:extLst>
+          </a:blip>
+          <a:stretch>
+            <a:fillRect/>
+          </a:stretch>
+        </p:blipFill>
+        <p:spPr>
+          <a:xfrm>
+            <a:off x="32628" y="20326"/>
+            <a:ext cx="559555" cy="447643"/>
+          </a:xfrm>
+          <a:prstGeom prst="rect">
+            <a:avLst/>
+          </a:prstGeom>
+        </p:spPr>
+      </p:pic>
     </p:spTree>
     <p:extLst>
       <p:ext uri="{BB962C8B-B14F-4D97-AF65-F5344CB8AC3E}">

--- a/Project presentation.pptx
+++ b/Project presentation.pptx
@@ -11,11 +11,13 @@
     <p:sldId id="267" r:id="rId5"/>
     <p:sldId id="259" r:id="rId6"/>
     <p:sldId id="260" r:id="rId7"/>
-    <p:sldId id="262" r:id="rId8"/>
-    <p:sldId id="264" r:id="rId9"/>
-    <p:sldId id="263" r:id="rId10"/>
-    <p:sldId id="265" r:id="rId11"/>
-    <p:sldId id="266" r:id="rId12"/>
+    <p:sldId id="264" r:id="rId8"/>
+    <p:sldId id="263" r:id="rId9"/>
+    <p:sldId id="265" r:id="rId10"/>
+    <p:sldId id="268" r:id="rId11"/>
+    <p:sldId id="269" r:id="rId12"/>
+    <p:sldId id="270" r:id="rId13"/>
+    <p:sldId id="266" r:id="rId14"/>
   </p:sldIdLst>
   <p:sldSz cx="12192000" cy="6858000"/>
   <p:notesSz cx="6858000" cy="9144000"/>
@@ -253,7 +255,7 @@
           <a:p>
             <a:fld id="{1ADA7EFB-2E69-4F89-BEE6-28EA995B23A0}" type="datetimeFigureOut">
               <a:rPr lang="ru-RU" smtClean="0"/>
-              <a:t>27.04.2021</a:t>
+              <a:t>07.05.2021</a:t>
             </a:fld>
             <a:endParaRPr lang="ru-RU"/>
           </a:p>
@@ -435,7 +437,7 @@
           <a:p>
             <a:fld id="{1ADA7EFB-2E69-4F89-BEE6-28EA995B23A0}" type="datetimeFigureOut">
               <a:rPr lang="ru-RU" smtClean="0"/>
-              <a:t>27.04.2021</a:t>
+              <a:t>07.05.2021</a:t>
             </a:fld>
             <a:endParaRPr lang="ru-RU"/>
           </a:p>
@@ -627,7 +629,7 @@
           <a:p>
             <a:fld id="{1ADA7EFB-2E69-4F89-BEE6-28EA995B23A0}" type="datetimeFigureOut">
               <a:rPr lang="ru-RU" smtClean="0"/>
-              <a:t>27.04.2021</a:t>
+              <a:t>07.05.2021</a:t>
             </a:fld>
             <a:endParaRPr lang="ru-RU"/>
           </a:p>
@@ -809,7 +811,7 @@
           <a:p>
             <a:fld id="{1ADA7EFB-2E69-4F89-BEE6-28EA995B23A0}" type="datetimeFigureOut">
               <a:rPr lang="ru-RU" smtClean="0"/>
-              <a:t>27.04.2021</a:t>
+              <a:t>07.05.2021</a:t>
             </a:fld>
             <a:endParaRPr lang="ru-RU"/>
           </a:p>
@@ -1067,7 +1069,7 @@
           <a:p>
             <a:fld id="{1ADA7EFB-2E69-4F89-BEE6-28EA995B23A0}" type="datetimeFigureOut">
               <a:rPr lang="ru-RU" smtClean="0"/>
-              <a:t>27.04.2021</a:t>
+              <a:t>07.05.2021</a:t>
             </a:fld>
             <a:endParaRPr lang="ru-RU"/>
           </a:p>
@@ -1311,7 +1313,7 @@
           <a:p>
             <a:fld id="{1ADA7EFB-2E69-4F89-BEE6-28EA995B23A0}" type="datetimeFigureOut">
               <a:rPr lang="ru-RU" smtClean="0"/>
-              <a:t>27.04.2021</a:t>
+              <a:t>07.05.2021</a:t>
             </a:fld>
             <a:endParaRPr lang="ru-RU"/>
           </a:p>
@@ -1690,7 +1692,7 @@
           <a:p>
             <a:fld id="{1ADA7EFB-2E69-4F89-BEE6-28EA995B23A0}" type="datetimeFigureOut">
               <a:rPr lang="ru-RU" smtClean="0"/>
-              <a:t>27.04.2021</a:t>
+              <a:t>07.05.2021</a:t>
             </a:fld>
             <a:endParaRPr lang="ru-RU"/>
           </a:p>
@@ -1820,7 +1822,7 @@
           <a:p>
             <a:fld id="{1ADA7EFB-2E69-4F89-BEE6-28EA995B23A0}" type="datetimeFigureOut">
               <a:rPr lang="ru-RU" smtClean="0"/>
-              <a:t>27.04.2021</a:t>
+              <a:t>07.05.2021</a:t>
             </a:fld>
             <a:endParaRPr lang="ru-RU"/>
           </a:p>
@@ -1927,7 +1929,7 @@
           <a:p>
             <a:fld id="{1ADA7EFB-2E69-4F89-BEE6-28EA995B23A0}" type="datetimeFigureOut">
               <a:rPr lang="ru-RU" smtClean="0"/>
-              <a:t>27.04.2021</a:t>
+              <a:t>07.05.2021</a:t>
             </a:fld>
             <a:endParaRPr lang="ru-RU"/>
           </a:p>
@@ -2216,7 +2218,7 @@
           <a:p>
             <a:fld id="{1ADA7EFB-2E69-4F89-BEE6-28EA995B23A0}" type="datetimeFigureOut">
               <a:rPr lang="ru-RU" smtClean="0"/>
-              <a:t>27.04.2021</a:t>
+              <a:t>07.05.2021</a:t>
             </a:fld>
             <a:endParaRPr lang="ru-RU"/>
           </a:p>
@@ -2481,7 +2483,7 @@
           <a:p>
             <a:fld id="{1ADA7EFB-2E69-4F89-BEE6-28EA995B23A0}" type="datetimeFigureOut">
               <a:rPr lang="ru-RU" smtClean="0"/>
-              <a:t>27.04.2021</a:t>
+              <a:t>07.05.2021</a:t>
             </a:fld>
             <a:endParaRPr lang="ru-RU"/>
           </a:p>
@@ -2706,7 +2708,7 @@
           <a:p>
             <a:fld id="{1ADA7EFB-2E69-4F89-BEE6-28EA995B23A0}" type="datetimeFigureOut">
               <a:rPr lang="ru-RU" smtClean="0"/>
-              <a:t>27.04.2021</a:t>
+              <a:t>07.05.2021</a:t>
             </a:fld>
             <a:endParaRPr lang="ru-RU"/>
           </a:p>
@@ -3214,8 +3216,8 @@
         </p:nvSpPr>
         <p:spPr>
           <a:xfrm>
-            <a:off x="807533" y="1506088"/>
-            <a:ext cx="10576934" cy="3416320"/>
+            <a:off x="293226" y="1506088"/>
+            <a:ext cx="11605549" cy="3416320"/>
           </a:xfrm>
           <a:prstGeom prst="rect">
             <a:avLst/>
@@ -3293,6 +3295,22 @@
           </a:p>
           <a:p>
             <a:pPr algn="ctr"/>
+            <a:r>
+              <a:rPr lang="ru-RU" sz="5400" dirty="0" smtClean="0">
+                <a:ln w="0"/>
+                <a:solidFill>
+                  <a:schemeClr val="accent1"/>
+                </a:solidFill>
+                <a:effectLst>
+                  <a:outerShdw blurRad="38100" dist="25400" dir="5400000" algn="ctr" rotWithShape="0">
+                    <a:srgbClr val="6E747A">
+                      <a:alpha val="43000"/>
+                    </a:srgbClr>
+                  </a:outerShdw>
+                </a:effectLst>
+              </a:rPr>
+              <a:t>            </a:t>
+            </a:r>
             <a:r>
               <a:rPr lang="en-US" sz="5400" dirty="0" smtClean="0">
                 <a:ln w="0"/>
@@ -3425,81 +3443,37 @@
           <a:chExt cx="0" cy="0"/>
         </a:xfrm>
       </p:grpSpPr>
-      <p:sp>
-        <p:nvSpPr>
-          <p:cNvPr id="3" name="Объект 2"/>
-          <p:cNvSpPr>
-            <a:spLocks noGrp="1"/>
-          </p:cNvSpPr>
+      <p:pic>
+        <p:nvPicPr>
+          <p:cNvPr id="7" name="Объект 6"/>
+          <p:cNvPicPr>
+            <a:picLocks noGrp="1" noChangeAspect="1"/>
+          </p:cNvPicPr>
           <p:nvPr>
             <p:ph idx="1"/>
           </p:nvPr>
-        </p:nvSpPr>
+        </p:nvPicPr>
+        <p:blipFill>
+          <a:blip r:embed="rId2"/>
+          <a:stretch>
+            <a:fillRect/>
+          </a:stretch>
+        </p:blipFill>
         <p:spPr>
           <a:xfrm>
-            <a:off x="989773" y="2449221"/>
-            <a:ext cx="10515600" cy="4351338"/>
+            <a:off x="6801677" y="3123888"/>
+            <a:ext cx="5089822" cy="3034610"/>
           </a:xfrm>
+          <a:prstGeom prst="rect">
+            <a:avLst/>
+          </a:prstGeom>
+          <a:ln>
+            <a:solidFill>
+              <a:schemeClr val="accent1"/>
+            </a:solidFill>
+          </a:ln>
         </p:spPr>
-        <p:txBody>
-          <a:bodyPr>
-            <a:normAutofit fontScale="92500" lnSpcReduction="10000"/>
-          </a:bodyPr>
-          <a:lstStyle/>
-          <a:p>
-            <a:pPr marL="0" indent="0">
-              <a:buNone/>
-            </a:pPr>
-            <a:endParaRPr lang="ru-RU" dirty="0" smtClean="0"/>
-          </a:p>
-          <a:p>
-            <a:pPr marL="0" indent="0">
-              <a:buNone/>
-            </a:pPr>
-            <a:endParaRPr lang="ru-RU" dirty="0" smtClean="0"/>
-          </a:p>
-          <a:p>
-            <a:pPr marL="0" indent="0">
-              <a:buNone/>
-            </a:pPr>
-            <a:endParaRPr lang="ru-RU" dirty="0"/>
-          </a:p>
-          <a:p>
-            <a:pPr marL="0" indent="0">
-              <a:buNone/>
-            </a:pPr>
-            <a:endParaRPr lang="ru-RU" dirty="0" smtClean="0"/>
-          </a:p>
-          <a:p>
-            <a:pPr marL="0" indent="0">
-              <a:buNone/>
-            </a:pPr>
-            <a:endParaRPr lang="ru-RU" dirty="0"/>
-          </a:p>
-          <a:p>
-            <a:pPr marL="0" indent="0">
-              <a:buNone/>
-            </a:pPr>
-            <a:endParaRPr lang="ru-RU" dirty="0" smtClean="0"/>
-          </a:p>
-          <a:p>
-            <a:pPr marL="0" indent="0">
-              <a:buNone/>
-            </a:pPr>
-            <a:endParaRPr lang="ru-RU" dirty="0"/>
-          </a:p>
-          <a:p>
-            <a:pPr marL="0" indent="0">
-              <a:buNone/>
-            </a:pPr>
-            <a:r>
-              <a:rPr lang="ru-RU" dirty="0" smtClean="0"/>
-              <a:t>Недавно просмотренные товары отображаются ниже баннера главной страницы. Если просмотренных товаров нет, то на главной странице данная секция отсутствует.</a:t>
-            </a:r>
-            <a:endParaRPr lang="ru-RU" dirty="0"/>
-          </a:p>
-        </p:txBody>
-      </p:sp>
+      </p:pic>
       <p:sp>
         <p:nvSpPr>
           <p:cNvPr id="4" name="Прямоугольник 3"/>
@@ -3508,8 +3482,8 @@
         </p:nvSpPr>
         <p:spPr>
           <a:xfrm>
-            <a:off x="812075" y="141404"/>
-            <a:ext cx="9900595" cy="923330"/>
+            <a:off x="1235187" y="150743"/>
+            <a:ext cx="9409622" cy="1744388"/>
           </a:xfrm>
           <a:prstGeom prst="rect">
             <a:avLst/>
@@ -3517,7 +3491,7 @@
           <a:noFill/>
         </p:spPr>
         <p:txBody>
-          <a:bodyPr wrap="none" lIns="91440" tIns="45720" rIns="91440" bIns="45720">
+          <a:bodyPr wrap="square" lIns="91440" tIns="45720" rIns="91440" bIns="45720">
             <a:spAutoFit/>
           </a:bodyPr>
           <a:lstStyle/>
@@ -3537,7 +3511,26 @@
                   </a:outerShdw>
                 </a:effectLst>
               </a:rPr>
-              <a:t>Недавно просмотренные товары</a:t>
+              <a:t>Регистрация и аутентификация </a:t>
+            </a:r>
+          </a:p>
+          <a:p>
+            <a:pPr algn="ctr"/>
+            <a:r>
+              <a:rPr lang="ru-RU" sz="5400" b="0" cap="none" spc="0" dirty="0" smtClean="0">
+                <a:ln w="0"/>
+                <a:solidFill>
+                  <a:schemeClr val="accent1"/>
+                </a:solidFill>
+                <a:effectLst>
+                  <a:outerShdw blurRad="38100" dist="25400" dir="5400000" algn="ctr" rotWithShape="0">
+                    <a:srgbClr val="6E747A">
+                      <a:alpha val="43000"/>
+                    </a:srgbClr>
+                  </a:outerShdw>
+                </a:effectLst>
+              </a:rPr>
+              <a:t>пользователя</a:t>
             </a:r>
             <a:endParaRPr lang="ru-RU" sz="5400" b="0" cap="none" spc="0" dirty="0">
               <a:ln w="0"/>
@@ -3557,31 +3550,7 @@
       </p:sp>
       <p:pic>
         <p:nvPicPr>
-          <p:cNvPr id="5" name="Рисунок 4"/>
-          <p:cNvPicPr>
-            <a:picLocks noChangeAspect="1"/>
-          </p:cNvPicPr>
-          <p:nvPr/>
-        </p:nvPicPr>
-        <p:blipFill>
-          <a:blip r:embed="rId2"/>
-          <a:stretch>
-            <a:fillRect/>
-          </a:stretch>
-        </p:blipFill>
-        <p:spPr>
-          <a:xfrm>
-            <a:off x="748937" y="1064735"/>
-            <a:ext cx="4589374" cy="4312226"/>
-          </a:xfrm>
-          <a:prstGeom prst="rect">
-            <a:avLst/>
-          </a:prstGeom>
-        </p:spPr>
-      </p:pic>
-      <p:pic>
-        <p:nvPicPr>
-          <p:cNvPr id="7" name="Рисунок 6"/>
+          <p:cNvPr id="6" name="Рисунок 5"/>
           <p:cNvPicPr>
             <a:picLocks noChangeAspect="1"/>
           </p:cNvPicPr>
@@ -3595,48 +3564,689 @@
         </p:blipFill>
         <p:spPr>
           <a:xfrm>
-            <a:off x="5762372" y="1064734"/>
-            <a:ext cx="5743001" cy="3144278"/>
+            <a:off x="371530" y="3123888"/>
+            <a:ext cx="6208499" cy="3034610"/>
+          </a:xfrm>
+          <a:prstGeom prst="rect">
+            <a:avLst/>
+          </a:prstGeom>
+          <a:ln>
+            <a:solidFill>
+              <a:schemeClr val="accent1"/>
+            </a:solidFill>
+          </a:ln>
+        </p:spPr>
+      </p:pic>
+      <p:sp>
+        <p:nvSpPr>
+          <p:cNvPr id="8" name="Объект 2"/>
+          <p:cNvSpPr txBox="1">
+            <a:spLocks/>
+          </p:cNvSpPr>
+          <p:nvPr/>
+        </p:nvSpPr>
+        <p:spPr>
+          <a:xfrm>
+            <a:off x="989773" y="1992021"/>
+            <a:ext cx="10515600" cy="4351338"/>
           </a:xfrm>
           <a:prstGeom prst="rect">
             <a:avLst/>
           </a:prstGeom>
         </p:spPr>
-      </p:pic>
-      <p:pic>
-        <p:nvPicPr>
-          <p:cNvPr id="6" name="Рисунок 5"/>
-          <p:cNvPicPr>
-            <a:picLocks noChangeAspect="1"/>
-          </p:cNvPicPr>
+        <p:txBody>
+          <a:bodyPr vert="horz" lIns="91440" tIns="45720" rIns="91440" bIns="45720" rtlCol="0">
+            <a:normAutofit/>
+          </a:bodyPr>
+          <a:lstStyle>
+            <a:lvl1pPr marL="228600" indent="-228600" algn="l" defTabSz="914400" rtl="0" eaLnBrk="1" latinLnBrk="0" hangingPunct="1">
+              <a:lnSpc>
+                <a:spcPct val="90000"/>
+              </a:lnSpc>
+              <a:spcBef>
+                <a:spcPts val="1000"/>
+              </a:spcBef>
+              <a:buFont typeface="Arial" panose="020B0604020202020204" pitchFamily="34" charset="0"/>
+              <a:buChar char="•"/>
+              <a:defRPr sz="2800" kern="1200">
+                <a:solidFill>
+                  <a:schemeClr val="tx1"/>
+                </a:solidFill>
+                <a:latin typeface="+mn-lt"/>
+                <a:ea typeface="+mn-ea"/>
+                <a:cs typeface="+mn-cs"/>
+              </a:defRPr>
+            </a:lvl1pPr>
+            <a:lvl2pPr marL="685800" indent="-228600" algn="l" defTabSz="914400" rtl="0" eaLnBrk="1" latinLnBrk="0" hangingPunct="1">
+              <a:lnSpc>
+                <a:spcPct val="90000"/>
+              </a:lnSpc>
+              <a:spcBef>
+                <a:spcPts val="500"/>
+              </a:spcBef>
+              <a:buFont typeface="Arial" panose="020B0604020202020204" pitchFamily="34" charset="0"/>
+              <a:buChar char="•"/>
+              <a:defRPr sz="2400" kern="1200">
+                <a:solidFill>
+                  <a:schemeClr val="tx1"/>
+                </a:solidFill>
+                <a:latin typeface="+mn-lt"/>
+                <a:ea typeface="+mn-ea"/>
+                <a:cs typeface="+mn-cs"/>
+              </a:defRPr>
+            </a:lvl2pPr>
+            <a:lvl3pPr marL="1143000" indent="-228600" algn="l" defTabSz="914400" rtl="0" eaLnBrk="1" latinLnBrk="0" hangingPunct="1">
+              <a:lnSpc>
+                <a:spcPct val="90000"/>
+              </a:lnSpc>
+              <a:spcBef>
+                <a:spcPts val="500"/>
+              </a:spcBef>
+              <a:buFont typeface="Arial" panose="020B0604020202020204" pitchFamily="34" charset="0"/>
+              <a:buChar char="•"/>
+              <a:defRPr sz="2000" kern="1200">
+                <a:solidFill>
+                  <a:schemeClr val="tx1"/>
+                </a:solidFill>
+                <a:latin typeface="+mn-lt"/>
+                <a:ea typeface="+mn-ea"/>
+                <a:cs typeface="+mn-cs"/>
+              </a:defRPr>
+            </a:lvl3pPr>
+            <a:lvl4pPr marL="1600200" indent="-228600" algn="l" defTabSz="914400" rtl="0" eaLnBrk="1" latinLnBrk="0" hangingPunct="1">
+              <a:lnSpc>
+                <a:spcPct val="90000"/>
+              </a:lnSpc>
+              <a:spcBef>
+                <a:spcPts val="500"/>
+              </a:spcBef>
+              <a:buFont typeface="Arial" panose="020B0604020202020204" pitchFamily="34" charset="0"/>
+              <a:buChar char="•"/>
+              <a:defRPr sz="1800" kern="1200">
+                <a:solidFill>
+                  <a:schemeClr val="tx1"/>
+                </a:solidFill>
+                <a:latin typeface="+mn-lt"/>
+                <a:ea typeface="+mn-ea"/>
+                <a:cs typeface="+mn-cs"/>
+              </a:defRPr>
+            </a:lvl4pPr>
+            <a:lvl5pPr marL="2057400" indent="-228600" algn="l" defTabSz="914400" rtl="0" eaLnBrk="1" latinLnBrk="0" hangingPunct="1">
+              <a:lnSpc>
+                <a:spcPct val="90000"/>
+              </a:lnSpc>
+              <a:spcBef>
+                <a:spcPts val="500"/>
+              </a:spcBef>
+              <a:buFont typeface="Arial" panose="020B0604020202020204" pitchFamily="34" charset="0"/>
+              <a:buChar char="•"/>
+              <a:defRPr sz="1800" kern="1200">
+                <a:solidFill>
+                  <a:schemeClr val="tx1"/>
+                </a:solidFill>
+                <a:latin typeface="+mn-lt"/>
+                <a:ea typeface="+mn-ea"/>
+                <a:cs typeface="+mn-cs"/>
+              </a:defRPr>
+            </a:lvl5pPr>
+            <a:lvl6pPr marL="2514600" indent="-228600" algn="l" defTabSz="914400" rtl="0" eaLnBrk="1" latinLnBrk="0" hangingPunct="1">
+              <a:lnSpc>
+                <a:spcPct val="90000"/>
+              </a:lnSpc>
+              <a:spcBef>
+                <a:spcPts val="500"/>
+              </a:spcBef>
+              <a:buFont typeface="Arial" panose="020B0604020202020204" pitchFamily="34" charset="0"/>
+              <a:buChar char="•"/>
+              <a:defRPr sz="1800" kern="1200">
+                <a:solidFill>
+                  <a:schemeClr val="tx1"/>
+                </a:solidFill>
+                <a:latin typeface="+mn-lt"/>
+                <a:ea typeface="+mn-ea"/>
+                <a:cs typeface="+mn-cs"/>
+              </a:defRPr>
+            </a:lvl6pPr>
+            <a:lvl7pPr marL="2971800" indent="-228600" algn="l" defTabSz="914400" rtl="0" eaLnBrk="1" latinLnBrk="0" hangingPunct="1">
+              <a:lnSpc>
+                <a:spcPct val="90000"/>
+              </a:lnSpc>
+              <a:spcBef>
+                <a:spcPts val="500"/>
+              </a:spcBef>
+              <a:buFont typeface="Arial" panose="020B0604020202020204" pitchFamily="34" charset="0"/>
+              <a:buChar char="•"/>
+              <a:defRPr sz="1800" kern="1200">
+                <a:solidFill>
+                  <a:schemeClr val="tx1"/>
+                </a:solidFill>
+                <a:latin typeface="+mn-lt"/>
+                <a:ea typeface="+mn-ea"/>
+                <a:cs typeface="+mn-cs"/>
+              </a:defRPr>
+            </a:lvl7pPr>
+            <a:lvl8pPr marL="3429000" indent="-228600" algn="l" defTabSz="914400" rtl="0" eaLnBrk="1" latinLnBrk="0" hangingPunct="1">
+              <a:lnSpc>
+                <a:spcPct val="90000"/>
+              </a:lnSpc>
+              <a:spcBef>
+                <a:spcPts val="500"/>
+              </a:spcBef>
+              <a:buFont typeface="Arial" panose="020B0604020202020204" pitchFamily="34" charset="0"/>
+              <a:buChar char="•"/>
+              <a:defRPr sz="1800" kern="1200">
+                <a:solidFill>
+                  <a:schemeClr val="tx1"/>
+                </a:solidFill>
+                <a:latin typeface="+mn-lt"/>
+                <a:ea typeface="+mn-ea"/>
+                <a:cs typeface="+mn-cs"/>
+              </a:defRPr>
+            </a:lvl8pPr>
+            <a:lvl9pPr marL="3886200" indent="-228600" algn="l" defTabSz="914400" rtl="0" eaLnBrk="1" latinLnBrk="0" hangingPunct="1">
+              <a:lnSpc>
+                <a:spcPct val="90000"/>
+              </a:lnSpc>
+              <a:spcBef>
+                <a:spcPts val="500"/>
+              </a:spcBef>
+              <a:buFont typeface="Arial" panose="020B0604020202020204" pitchFamily="34" charset="0"/>
+              <a:buChar char="•"/>
+              <a:defRPr sz="1800" kern="1200">
+                <a:solidFill>
+                  <a:schemeClr val="tx1"/>
+                </a:solidFill>
+                <a:latin typeface="+mn-lt"/>
+                <a:ea typeface="+mn-ea"/>
+                <a:cs typeface="+mn-cs"/>
+              </a:defRPr>
+            </a:lvl9pPr>
+          </a:lstStyle>
+          <a:p>
+            <a:pPr marL="0" indent="0">
+              <a:buFont typeface="Arial" panose="020B0604020202020204" pitchFamily="34" charset="0"/>
+              <a:buNone/>
+            </a:pPr>
+            <a:endParaRPr lang="ru-RU" dirty="0" smtClean="0"/>
+          </a:p>
+          <a:p>
+            <a:pPr marL="0" indent="0">
+              <a:buFont typeface="Arial" panose="020B0604020202020204" pitchFamily="34" charset="0"/>
+              <a:buNone/>
+            </a:pPr>
+            <a:endParaRPr lang="ru-RU" dirty="0" smtClean="0"/>
+          </a:p>
+          <a:p>
+            <a:pPr marL="0" indent="0">
+              <a:buFont typeface="Arial" panose="020B0604020202020204" pitchFamily="34" charset="0"/>
+              <a:buNone/>
+            </a:pPr>
+            <a:endParaRPr lang="ru-RU" dirty="0" smtClean="0"/>
+          </a:p>
+          <a:p>
+            <a:pPr marL="0" indent="0">
+              <a:buFont typeface="Arial" panose="020B0604020202020204" pitchFamily="34" charset="0"/>
+              <a:buNone/>
+            </a:pPr>
+            <a:endParaRPr lang="ru-RU" dirty="0" smtClean="0"/>
+          </a:p>
+          <a:p>
+            <a:pPr marL="0" indent="0">
+              <a:buFont typeface="Arial" panose="020B0604020202020204" pitchFamily="34" charset="0"/>
+              <a:buNone/>
+            </a:pPr>
+            <a:endParaRPr lang="ru-RU" dirty="0" smtClean="0"/>
+          </a:p>
+          <a:p>
+            <a:pPr marL="0" indent="0">
+              <a:buFont typeface="Arial" panose="020B0604020202020204" pitchFamily="34" charset="0"/>
+              <a:buNone/>
+            </a:pPr>
+            <a:endParaRPr lang="ru-RU" dirty="0" smtClean="0"/>
+          </a:p>
+          <a:p>
+            <a:pPr marL="0" indent="0">
+              <a:buFont typeface="Arial" panose="020B0604020202020204" pitchFamily="34" charset="0"/>
+              <a:buNone/>
+            </a:pPr>
+            <a:endParaRPr lang="ru-RU" dirty="0" smtClean="0"/>
+          </a:p>
+        </p:txBody>
+      </p:sp>
+      <p:sp>
+        <p:nvSpPr>
+          <p:cNvPr id="9" name="Объект 2"/>
+          <p:cNvSpPr txBox="1">
+            <a:spLocks/>
+          </p:cNvSpPr>
           <p:nvPr/>
-        </p:nvPicPr>
-        <p:blipFill>
-          <a:blip r:embed="rId4">
-            <a:extLst>
-              <a:ext uri="{28A0092B-C50C-407E-A947-70E740481C1C}">
-                <a14:useLocalDpi xmlns:a14="http://schemas.microsoft.com/office/drawing/2010/main" val="0"/>
-              </a:ext>
-            </a:extLst>
-          </a:blip>
-          <a:stretch>
-            <a:fillRect/>
-          </a:stretch>
-        </p:blipFill>
+        </p:nvSpPr>
         <p:spPr>
           <a:xfrm>
-            <a:off x="32628" y="20326"/>
-            <a:ext cx="559555" cy="447643"/>
+            <a:off x="989773" y="2449220"/>
+            <a:ext cx="10515600" cy="780997"/>
           </a:xfrm>
           <a:prstGeom prst="rect">
             <a:avLst/>
           </a:prstGeom>
         </p:spPr>
-      </p:pic>
+        <p:txBody>
+          <a:bodyPr vert="horz" lIns="91440" tIns="45720" rIns="91440" bIns="45720" rtlCol="0">
+            <a:normAutofit fontScale="25000" lnSpcReduction="20000"/>
+          </a:bodyPr>
+          <a:lstStyle>
+            <a:lvl1pPr marL="228600" indent="-228600" algn="l" defTabSz="914400" rtl="0" eaLnBrk="1" latinLnBrk="0" hangingPunct="1">
+              <a:lnSpc>
+                <a:spcPct val="90000"/>
+              </a:lnSpc>
+              <a:spcBef>
+                <a:spcPts val="1000"/>
+              </a:spcBef>
+              <a:buFont typeface="Arial" panose="020B0604020202020204" pitchFamily="34" charset="0"/>
+              <a:buChar char="•"/>
+              <a:defRPr sz="2800" kern="1200">
+                <a:solidFill>
+                  <a:schemeClr val="tx1"/>
+                </a:solidFill>
+                <a:latin typeface="+mn-lt"/>
+                <a:ea typeface="+mn-ea"/>
+                <a:cs typeface="+mn-cs"/>
+              </a:defRPr>
+            </a:lvl1pPr>
+            <a:lvl2pPr marL="685800" indent="-228600" algn="l" defTabSz="914400" rtl="0" eaLnBrk="1" latinLnBrk="0" hangingPunct="1">
+              <a:lnSpc>
+                <a:spcPct val="90000"/>
+              </a:lnSpc>
+              <a:spcBef>
+                <a:spcPts val="500"/>
+              </a:spcBef>
+              <a:buFont typeface="Arial" panose="020B0604020202020204" pitchFamily="34" charset="0"/>
+              <a:buChar char="•"/>
+              <a:defRPr sz="2400" kern="1200">
+                <a:solidFill>
+                  <a:schemeClr val="tx1"/>
+                </a:solidFill>
+                <a:latin typeface="+mn-lt"/>
+                <a:ea typeface="+mn-ea"/>
+                <a:cs typeface="+mn-cs"/>
+              </a:defRPr>
+            </a:lvl2pPr>
+            <a:lvl3pPr marL="1143000" indent="-228600" algn="l" defTabSz="914400" rtl="0" eaLnBrk="1" latinLnBrk="0" hangingPunct="1">
+              <a:lnSpc>
+                <a:spcPct val="90000"/>
+              </a:lnSpc>
+              <a:spcBef>
+                <a:spcPts val="500"/>
+              </a:spcBef>
+              <a:buFont typeface="Arial" panose="020B0604020202020204" pitchFamily="34" charset="0"/>
+              <a:buChar char="•"/>
+              <a:defRPr sz="2000" kern="1200">
+                <a:solidFill>
+                  <a:schemeClr val="tx1"/>
+                </a:solidFill>
+                <a:latin typeface="+mn-lt"/>
+                <a:ea typeface="+mn-ea"/>
+                <a:cs typeface="+mn-cs"/>
+              </a:defRPr>
+            </a:lvl3pPr>
+            <a:lvl4pPr marL="1600200" indent="-228600" algn="l" defTabSz="914400" rtl="0" eaLnBrk="1" latinLnBrk="0" hangingPunct="1">
+              <a:lnSpc>
+                <a:spcPct val="90000"/>
+              </a:lnSpc>
+              <a:spcBef>
+                <a:spcPts val="500"/>
+              </a:spcBef>
+              <a:buFont typeface="Arial" panose="020B0604020202020204" pitchFamily="34" charset="0"/>
+              <a:buChar char="•"/>
+              <a:defRPr sz="1800" kern="1200">
+                <a:solidFill>
+                  <a:schemeClr val="tx1"/>
+                </a:solidFill>
+                <a:latin typeface="+mn-lt"/>
+                <a:ea typeface="+mn-ea"/>
+                <a:cs typeface="+mn-cs"/>
+              </a:defRPr>
+            </a:lvl4pPr>
+            <a:lvl5pPr marL="2057400" indent="-228600" algn="l" defTabSz="914400" rtl="0" eaLnBrk="1" latinLnBrk="0" hangingPunct="1">
+              <a:lnSpc>
+                <a:spcPct val="90000"/>
+              </a:lnSpc>
+              <a:spcBef>
+                <a:spcPts val="500"/>
+              </a:spcBef>
+              <a:buFont typeface="Arial" panose="020B0604020202020204" pitchFamily="34" charset="0"/>
+              <a:buChar char="•"/>
+              <a:defRPr sz="1800" kern="1200">
+                <a:solidFill>
+                  <a:schemeClr val="tx1"/>
+                </a:solidFill>
+                <a:latin typeface="+mn-lt"/>
+                <a:ea typeface="+mn-ea"/>
+                <a:cs typeface="+mn-cs"/>
+              </a:defRPr>
+            </a:lvl5pPr>
+            <a:lvl6pPr marL="2514600" indent="-228600" algn="l" defTabSz="914400" rtl="0" eaLnBrk="1" latinLnBrk="0" hangingPunct="1">
+              <a:lnSpc>
+                <a:spcPct val="90000"/>
+              </a:lnSpc>
+              <a:spcBef>
+                <a:spcPts val="500"/>
+              </a:spcBef>
+              <a:buFont typeface="Arial" panose="020B0604020202020204" pitchFamily="34" charset="0"/>
+              <a:buChar char="•"/>
+              <a:defRPr sz="1800" kern="1200">
+                <a:solidFill>
+                  <a:schemeClr val="tx1"/>
+                </a:solidFill>
+                <a:latin typeface="+mn-lt"/>
+                <a:ea typeface="+mn-ea"/>
+                <a:cs typeface="+mn-cs"/>
+              </a:defRPr>
+            </a:lvl6pPr>
+            <a:lvl7pPr marL="2971800" indent="-228600" algn="l" defTabSz="914400" rtl="0" eaLnBrk="1" latinLnBrk="0" hangingPunct="1">
+              <a:lnSpc>
+                <a:spcPct val="90000"/>
+              </a:lnSpc>
+              <a:spcBef>
+                <a:spcPts val="500"/>
+              </a:spcBef>
+              <a:buFont typeface="Arial" panose="020B0604020202020204" pitchFamily="34" charset="0"/>
+              <a:buChar char="•"/>
+              <a:defRPr sz="1800" kern="1200">
+                <a:solidFill>
+                  <a:schemeClr val="tx1"/>
+                </a:solidFill>
+                <a:latin typeface="+mn-lt"/>
+                <a:ea typeface="+mn-ea"/>
+                <a:cs typeface="+mn-cs"/>
+              </a:defRPr>
+            </a:lvl7pPr>
+            <a:lvl8pPr marL="3429000" indent="-228600" algn="l" defTabSz="914400" rtl="0" eaLnBrk="1" latinLnBrk="0" hangingPunct="1">
+              <a:lnSpc>
+                <a:spcPct val="90000"/>
+              </a:lnSpc>
+              <a:spcBef>
+                <a:spcPts val="500"/>
+              </a:spcBef>
+              <a:buFont typeface="Arial" panose="020B0604020202020204" pitchFamily="34" charset="0"/>
+              <a:buChar char="•"/>
+              <a:defRPr sz="1800" kern="1200">
+                <a:solidFill>
+                  <a:schemeClr val="tx1"/>
+                </a:solidFill>
+                <a:latin typeface="+mn-lt"/>
+                <a:ea typeface="+mn-ea"/>
+                <a:cs typeface="+mn-cs"/>
+              </a:defRPr>
+            </a:lvl8pPr>
+            <a:lvl9pPr marL="3886200" indent="-228600" algn="l" defTabSz="914400" rtl="0" eaLnBrk="1" latinLnBrk="0" hangingPunct="1">
+              <a:lnSpc>
+                <a:spcPct val="90000"/>
+              </a:lnSpc>
+              <a:spcBef>
+                <a:spcPts val="500"/>
+              </a:spcBef>
+              <a:buFont typeface="Arial" panose="020B0604020202020204" pitchFamily="34" charset="0"/>
+              <a:buChar char="•"/>
+              <a:defRPr sz="1800" kern="1200">
+                <a:solidFill>
+                  <a:schemeClr val="tx1"/>
+                </a:solidFill>
+                <a:latin typeface="+mn-lt"/>
+                <a:ea typeface="+mn-ea"/>
+                <a:cs typeface="+mn-cs"/>
+              </a:defRPr>
+            </a:lvl9pPr>
+          </a:lstStyle>
+          <a:p>
+            <a:pPr marL="0" indent="0">
+              <a:buFont typeface="Arial" panose="020B0604020202020204" pitchFamily="34" charset="0"/>
+              <a:buNone/>
+            </a:pPr>
+            <a:endParaRPr lang="ru-RU" dirty="0" smtClean="0"/>
+          </a:p>
+          <a:p>
+            <a:pPr marL="0" indent="0">
+              <a:buFont typeface="Arial" panose="020B0604020202020204" pitchFamily="34" charset="0"/>
+              <a:buNone/>
+            </a:pPr>
+            <a:endParaRPr lang="ru-RU" dirty="0" smtClean="0"/>
+          </a:p>
+          <a:p>
+            <a:pPr marL="0" indent="0">
+              <a:buFont typeface="Arial" panose="020B0604020202020204" pitchFamily="34" charset="0"/>
+              <a:buNone/>
+            </a:pPr>
+            <a:endParaRPr lang="ru-RU" dirty="0" smtClean="0"/>
+          </a:p>
+          <a:p>
+            <a:pPr marL="0" indent="0">
+              <a:buFont typeface="Arial" panose="020B0604020202020204" pitchFamily="34" charset="0"/>
+              <a:buNone/>
+            </a:pPr>
+            <a:endParaRPr lang="ru-RU" dirty="0" smtClean="0"/>
+          </a:p>
+          <a:p>
+            <a:pPr marL="0" indent="0">
+              <a:buFont typeface="Arial" panose="020B0604020202020204" pitchFamily="34" charset="0"/>
+              <a:buNone/>
+            </a:pPr>
+            <a:endParaRPr lang="ru-RU" dirty="0" smtClean="0"/>
+          </a:p>
+          <a:p>
+            <a:pPr marL="0" indent="0">
+              <a:buFont typeface="Arial" panose="020B0604020202020204" pitchFamily="34" charset="0"/>
+              <a:buNone/>
+            </a:pPr>
+            <a:r>
+              <a:rPr lang="ru-RU" dirty="0" smtClean="0"/>
+              <a:t>                   </a:t>
+            </a:r>
+          </a:p>
+        </p:txBody>
+      </p:sp>
+      <p:sp>
+        <p:nvSpPr>
+          <p:cNvPr id="10" name="Объект 2"/>
+          <p:cNvSpPr txBox="1">
+            <a:spLocks/>
+          </p:cNvSpPr>
+          <p:nvPr/>
+        </p:nvSpPr>
+        <p:spPr>
+          <a:xfrm>
+            <a:off x="2430947" y="2432834"/>
+            <a:ext cx="10515600" cy="651788"/>
+          </a:xfrm>
+          <a:prstGeom prst="rect">
+            <a:avLst/>
+          </a:prstGeom>
+        </p:spPr>
+        <p:txBody>
+          <a:bodyPr vert="horz" lIns="91440" tIns="45720" rIns="91440" bIns="45720" rtlCol="0">
+            <a:normAutofit/>
+          </a:bodyPr>
+          <a:lstStyle>
+            <a:lvl1pPr marL="228600" indent="-228600" algn="l" defTabSz="914400" rtl="0" eaLnBrk="1" latinLnBrk="0" hangingPunct="1">
+              <a:lnSpc>
+                <a:spcPct val="90000"/>
+              </a:lnSpc>
+              <a:spcBef>
+                <a:spcPts val="1000"/>
+              </a:spcBef>
+              <a:buFont typeface="Arial" panose="020B0604020202020204" pitchFamily="34" charset="0"/>
+              <a:buChar char="•"/>
+              <a:defRPr sz="2800" kern="1200">
+                <a:solidFill>
+                  <a:schemeClr val="tx1"/>
+                </a:solidFill>
+                <a:latin typeface="+mn-lt"/>
+                <a:ea typeface="+mn-ea"/>
+                <a:cs typeface="+mn-cs"/>
+              </a:defRPr>
+            </a:lvl1pPr>
+            <a:lvl2pPr marL="685800" indent="-228600" algn="l" defTabSz="914400" rtl="0" eaLnBrk="1" latinLnBrk="0" hangingPunct="1">
+              <a:lnSpc>
+                <a:spcPct val="90000"/>
+              </a:lnSpc>
+              <a:spcBef>
+                <a:spcPts val="500"/>
+              </a:spcBef>
+              <a:buFont typeface="Arial" panose="020B0604020202020204" pitchFamily="34" charset="0"/>
+              <a:buChar char="•"/>
+              <a:defRPr sz="2400" kern="1200">
+                <a:solidFill>
+                  <a:schemeClr val="tx1"/>
+                </a:solidFill>
+                <a:latin typeface="+mn-lt"/>
+                <a:ea typeface="+mn-ea"/>
+                <a:cs typeface="+mn-cs"/>
+              </a:defRPr>
+            </a:lvl2pPr>
+            <a:lvl3pPr marL="1143000" indent="-228600" algn="l" defTabSz="914400" rtl="0" eaLnBrk="1" latinLnBrk="0" hangingPunct="1">
+              <a:lnSpc>
+                <a:spcPct val="90000"/>
+              </a:lnSpc>
+              <a:spcBef>
+                <a:spcPts val="500"/>
+              </a:spcBef>
+              <a:buFont typeface="Arial" panose="020B0604020202020204" pitchFamily="34" charset="0"/>
+              <a:buChar char="•"/>
+              <a:defRPr sz="2000" kern="1200">
+                <a:solidFill>
+                  <a:schemeClr val="tx1"/>
+                </a:solidFill>
+                <a:latin typeface="+mn-lt"/>
+                <a:ea typeface="+mn-ea"/>
+                <a:cs typeface="+mn-cs"/>
+              </a:defRPr>
+            </a:lvl3pPr>
+            <a:lvl4pPr marL="1600200" indent="-228600" algn="l" defTabSz="914400" rtl="0" eaLnBrk="1" latinLnBrk="0" hangingPunct="1">
+              <a:lnSpc>
+                <a:spcPct val="90000"/>
+              </a:lnSpc>
+              <a:spcBef>
+                <a:spcPts val="500"/>
+              </a:spcBef>
+              <a:buFont typeface="Arial" panose="020B0604020202020204" pitchFamily="34" charset="0"/>
+              <a:buChar char="•"/>
+              <a:defRPr sz="1800" kern="1200">
+                <a:solidFill>
+                  <a:schemeClr val="tx1"/>
+                </a:solidFill>
+                <a:latin typeface="+mn-lt"/>
+                <a:ea typeface="+mn-ea"/>
+                <a:cs typeface="+mn-cs"/>
+              </a:defRPr>
+            </a:lvl4pPr>
+            <a:lvl5pPr marL="2057400" indent="-228600" algn="l" defTabSz="914400" rtl="0" eaLnBrk="1" latinLnBrk="0" hangingPunct="1">
+              <a:lnSpc>
+                <a:spcPct val="90000"/>
+              </a:lnSpc>
+              <a:spcBef>
+                <a:spcPts val="500"/>
+              </a:spcBef>
+              <a:buFont typeface="Arial" panose="020B0604020202020204" pitchFamily="34" charset="0"/>
+              <a:buChar char="•"/>
+              <a:defRPr sz="1800" kern="1200">
+                <a:solidFill>
+                  <a:schemeClr val="tx1"/>
+                </a:solidFill>
+                <a:latin typeface="+mn-lt"/>
+                <a:ea typeface="+mn-ea"/>
+                <a:cs typeface="+mn-cs"/>
+              </a:defRPr>
+            </a:lvl5pPr>
+            <a:lvl6pPr marL="2514600" indent="-228600" algn="l" defTabSz="914400" rtl="0" eaLnBrk="1" latinLnBrk="0" hangingPunct="1">
+              <a:lnSpc>
+                <a:spcPct val="90000"/>
+              </a:lnSpc>
+              <a:spcBef>
+                <a:spcPts val="500"/>
+              </a:spcBef>
+              <a:buFont typeface="Arial" panose="020B0604020202020204" pitchFamily="34" charset="0"/>
+              <a:buChar char="•"/>
+              <a:defRPr sz="1800" kern="1200">
+                <a:solidFill>
+                  <a:schemeClr val="tx1"/>
+                </a:solidFill>
+                <a:latin typeface="+mn-lt"/>
+                <a:ea typeface="+mn-ea"/>
+                <a:cs typeface="+mn-cs"/>
+              </a:defRPr>
+            </a:lvl6pPr>
+            <a:lvl7pPr marL="2971800" indent="-228600" algn="l" defTabSz="914400" rtl="0" eaLnBrk="1" latinLnBrk="0" hangingPunct="1">
+              <a:lnSpc>
+                <a:spcPct val="90000"/>
+              </a:lnSpc>
+              <a:spcBef>
+                <a:spcPts val="500"/>
+              </a:spcBef>
+              <a:buFont typeface="Arial" panose="020B0604020202020204" pitchFamily="34" charset="0"/>
+              <a:buChar char="•"/>
+              <a:defRPr sz="1800" kern="1200">
+                <a:solidFill>
+                  <a:schemeClr val="tx1"/>
+                </a:solidFill>
+                <a:latin typeface="+mn-lt"/>
+                <a:ea typeface="+mn-ea"/>
+                <a:cs typeface="+mn-cs"/>
+              </a:defRPr>
+            </a:lvl7pPr>
+            <a:lvl8pPr marL="3429000" indent="-228600" algn="l" defTabSz="914400" rtl="0" eaLnBrk="1" latinLnBrk="0" hangingPunct="1">
+              <a:lnSpc>
+                <a:spcPct val="90000"/>
+              </a:lnSpc>
+              <a:spcBef>
+                <a:spcPts val="500"/>
+              </a:spcBef>
+              <a:buFont typeface="Arial" panose="020B0604020202020204" pitchFamily="34" charset="0"/>
+              <a:buChar char="•"/>
+              <a:defRPr sz="1800" kern="1200">
+                <a:solidFill>
+                  <a:schemeClr val="tx1"/>
+                </a:solidFill>
+                <a:latin typeface="+mn-lt"/>
+                <a:ea typeface="+mn-ea"/>
+                <a:cs typeface="+mn-cs"/>
+              </a:defRPr>
+            </a:lvl8pPr>
+            <a:lvl9pPr marL="3886200" indent="-228600" algn="l" defTabSz="914400" rtl="0" eaLnBrk="1" latinLnBrk="0" hangingPunct="1">
+              <a:lnSpc>
+                <a:spcPct val="90000"/>
+              </a:lnSpc>
+              <a:spcBef>
+                <a:spcPts val="500"/>
+              </a:spcBef>
+              <a:buFont typeface="Arial" panose="020B0604020202020204" pitchFamily="34" charset="0"/>
+              <a:buChar char="•"/>
+              <a:defRPr sz="1800" kern="1200">
+                <a:solidFill>
+                  <a:schemeClr val="tx1"/>
+                </a:solidFill>
+                <a:latin typeface="+mn-lt"/>
+                <a:ea typeface="+mn-ea"/>
+                <a:cs typeface="+mn-cs"/>
+              </a:defRPr>
+            </a:lvl9pPr>
+          </a:lstStyle>
+          <a:p>
+            <a:pPr marL="0" indent="0">
+              <a:buFont typeface="Arial" panose="020B0604020202020204" pitchFamily="34" charset="0"/>
+              <a:buNone/>
+            </a:pPr>
+            <a:r>
+              <a:rPr lang="ru-RU" dirty="0" smtClean="0"/>
+              <a:t>Регистрация                                            Аутентификация </a:t>
+            </a:r>
+            <a:endParaRPr lang="ru-RU" dirty="0"/>
+          </a:p>
+        </p:txBody>
+      </p:sp>
     </p:spTree>
     <p:extLst>
       <p:ext uri="{BB962C8B-B14F-4D97-AF65-F5344CB8AC3E}">
-        <p14:creationId xmlns:p14="http://schemas.microsoft.com/office/powerpoint/2010/main" val="2453319453"/>
+        <p14:creationId xmlns:p14="http://schemas.microsoft.com/office/powerpoint/2010/main" val="2993793639"/>
       </p:ext>
     </p:extLst>
   </p:cSld>
@@ -3666,6 +4276,242 @@
 </file>
 
 <file path=ppt/slides/slide11.xml><?xml version="1.0" encoding="utf-8"?>
+<p:sld xmlns:a="http://schemas.openxmlformats.org/drawingml/2006/main" xmlns:r="http://schemas.openxmlformats.org/officeDocument/2006/relationships" xmlns:p="http://schemas.openxmlformats.org/presentationml/2006/main">
+  <p:cSld>
+    <p:spTree>
+      <p:nvGrpSpPr>
+        <p:cNvPr id="1" name=""/>
+        <p:cNvGrpSpPr/>
+        <p:nvPr/>
+      </p:nvGrpSpPr>
+      <p:grpSpPr>
+        <a:xfrm>
+          <a:off x="0" y="0"/>
+          <a:ext cx="0" cy="0"/>
+          <a:chOff x="0" y="0"/>
+          <a:chExt cx="0" cy="0"/>
+        </a:xfrm>
+      </p:grpSpPr>
+      <p:pic>
+        <p:nvPicPr>
+          <p:cNvPr id="4" name="Рисунок 3"/>
+          <p:cNvPicPr>
+            <a:picLocks noChangeAspect="1"/>
+          </p:cNvPicPr>
+          <p:nvPr/>
+        </p:nvPicPr>
+        <p:blipFill rotWithShape="1">
+          <a:blip r:embed="rId2"/>
+          <a:srcRect t="8615" r="501" b="13757"/>
+          <a:stretch/>
+        </p:blipFill>
+        <p:spPr>
+          <a:xfrm>
+            <a:off x="927653" y="1487694"/>
+            <a:ext cx="10917826" cy="4791355"/>
+          </a:xfrm>
+          <a:prstGeom prst="rect">
+            <a:avLst/>
+          </a:prstGeom>
+          <a:ln>
+            <a:solidFill>
+              <a:schemeClr val="accent1"/>
+            </a:solidFill>
+          </a:ln>
+        </p:spPr>
+      </p:pic>
+      <p:sp>
+        <p:nvSpPr>
+          <p:cNvPr id="5" name="Прямоугольник 4"/>
+          <p:cNvSpPr/>
+          <p:nvPr/>
+        </p:nvSpPr>
+        <p:spPr>
+          <a:xfrm>
+            <a:off x="2099456" y="363247"/>
+            <a:ext cx="7993087" cy="923330"/>
+          </a:xfrm>
+          <a:prstGeom prst="rect">
+            <a:avLst/>
+          </a:prstGeom>
+          <a:noFill/>
+        </p:spPr>
+        <p:txBody>
+          <a:bodyPr wrap="none" lIns="91440" tIns="45720" rIns="91440" bIns="45720">
+            <a:spAutoFit/>
+          </a:bodyPr>
+          <a:lstStyle/>
+          <a:p>
+            <a:pPr algn="ctr"/>
+            <a:r>
+              <a:rPr lang="ru-RU" sz="5400" b="0" cap="none" spc="0" dirty="0" smtClean="0">
+                <a:ln w="0"/>
+                <a:solidFill>
+                  <a:schemeClr val="accent1"/>
+                </a:solidFill>
+                <a:effectLst>
+                  <a:outerShdw blurRad="38100" dist="25400" dir="5400000" algn="ctr" rotWithShape="0">
+                    <a:srgbClr val="6E747A">
+                      <a:alpha val="43000"/>
+                    </a:srgbClr>
+                  </a:outerShdw>
+                </a:effectLst>
+              </a:rPr>
+              <a:t>Успешная аутентификация</a:t>
+            </a:r>
+            <a:endParaRPr lang="ru-RU" sz="5400" b="0" cap="none" spc="0" dirty="0">
+              <a:ln w="0"/>
+              <a:solidFill>
+                <a:schemeClr val="accent1"/>
+              </a:solidFill>
+              <a:effectLst>
+                <a:outerShdw blurRad="38100" dist="25400" dir="5400000" algn="ctr" rotWithShape="0">
+                  <a:srgbClr val="6E747A">
+                    <a:alpha val="43000"/>
+                  </a:srgbClr>
+                </a:outerShdw>
+              </a:effectLst>
+            </a:endParaRPr>
+          </a:p>
+        </p:txBody>
+      </p:sp>
+    </p:spTree>
+    <p:extLst>
+      <p:ext uri="{BB962C8B-B14F-4D97-AF65-F5344CB8AC3E}">
+        <p14:creationId xmlns:p14="http://schemas.microsoft.com/office/powerpoint/2010/main" val="3828967580"/>
+      </p:ext>
+    </p:extLst>
+  </p:cSld>
+  <p:clrMapOvr>
+    <a:masterClrMapping/>
+  </p:clrMapOvr>
+  <mc:AlternateContent xmlns:mc="http://schemas.openxmlformats.org/markup-compatibility/2006" xmlns:p14="http://schemas.microsoft.com/office/powerpoint/2010/main">
+    <mc:Choice Requires="p14">
+      <p:transition spd="med" p14:dur="700">
+        <p:fade/>
+      </p:transition>
+    </mc:Choice>
+    <mc:Fallback xmlns="">
+      <p:transition spd="med">
+        <p:fade/>
+      </p:transition>
+    </mc:Fallback>
+  </mc:AlternateContent>
+  <p:timing>
+    <p:tnLst>
+      <p:par>
+        <p:cTn id="1" dur="indefinite" restart="never" nodeType="tmRoot"/>
+      </p:par>
+    </p:tnLst>
+  </p:timing>
+</p:sld>
+</file>
+
+<file path=ppt/slides/slide12.xml><?xml version="1.0" encoding="utf-8"?>
+<p:sld xmlns:a="http://schemas.openxmlformats.org/drawingml/2006/main" xmlns:r="http://schemas.openxmlformats.org/officeDocument/2006/relationships" xmlns:p="http://schemas.openxmlformats.org/presentationml/2006/main">
+  <p:cSld>
+    <p:spTree>
+      <p:nvGrpSpPr>
+        <p:cNvPr id="1" name=""/>
+        <p:cNvGrpSpPr/>
+        <p:nvPr/>
+      </p:nvGrpSpPr>
+      <p:grpSpPr>
+        <a:xfrm>
+          <a:off x="0" y="0"/>
+          <a:ext cx="0" cy="0"/>
+          <a:chOff x="0" y="0"/>
+          <a:chExt cx="0" cy="0"/>
+        </a:xfrm>
+      </p:grpSpPr>
+      <p:sp>
+        <p:nvSpPr>
+          <p:cNvPr id="4" name="Прямоугольник 3"/>
+          <p:cNvSpPr/>
+          <p:nvPr/>
+        </p:nvSpPr>
+        <p:spPr>
+          <a:xfrm>
+            <a:off x="700877" y="2698978"/>
+            <a:ext cx="10830017" cy="923330"/>
+          </a:xfrm>
+          <a:prstGeom prst="rect">
+            <a:avLst/>
+          </a:prstGeom>
+          <a:noFill/>
+        </p:spPr>
+        <p:txBody>
+          <a:bodyPr wrap="none" lIns="91440" tIns="45720" rIns="91440" bIns="45720">
+            <a:spAutoFit/>
+          </a:bodyPr>
+          <a:lstStyle/>
+          <a:p>
+            <a:pPr algn="ctr"/>
+            <a:r>
+              <a:rPr lang="ru-RU" sz="5400" dirty="0" smtClean="0">
+                <a:ln w="0"/>
+                <a:solidFill>
+                  <a:schemeClr val="accent1"/>
+                </a:solidFill>
+                <a:effectLst>
+                  <a:outerShdw blurRad="38100" dist="25400" dir="5400000" algn="ctr" rotWithShape="0">
+                    <a:srgbClr val="6E747A">
+                      <a:alpha val="43000"/>
+                    </a:srgbClr>
+                  </a:outerShdw>
+                </a:effectLst>
+              </a:rPr>
+              <a:t>Демонстрация работы приложения </a:t>
+            </a:r>
+            <a:endParaRPr lang="ru-RU" sz="5400" b="0" cap="none" spc="0" dirty="0">
+              <a:ln w="0"/>
+              <a:solidFill>
+                <a:schemeClr val="accent1"/>
+              </a:solidFill>
+              <a:effectLst>
+                <a:outerShdw blurRad="38100" dist="25400" dir="5400000" algn="ctr" rotWithShape="0">
+                  <a:srgbClr val="6E747A">
+                    <a:alpha val="43000"/>
+                  </a:srgbClr>
+                </a:outerShdw>
+              </a:effectLst>
+            </a:endParaRPr>
+          </a:p>
+        </p:txBody>
+      </p:sp>
+    </p:spTree>
+    <p:extLst>
+      <p:ext uri="{BB962C8B-B14F-4D97-AF65-F5344CB8AC3E}">
+        <p14:creationId xmlns:p14="http://schemas.microsoft.com/office/powerpoint/2010/main" val="2328155660"/>
+      </p:ext>
+    </p:extLst>
+  </p:cSld>
+  <p:clrMapOvr>
+    <a:masterClrMapping/>
+  </p:clrMapOvr>
+  <mc:AlternateContent xmlns:mc="http://schemas.openxmlformats.org/markup-compatibility/2006" xmlns:p14="http://schemas.microsoft.com/office/powerpoint/2010/main">
+    <mc:Choice Requires="p14">
+      <p:transition spd="med" p14:dur="700">
+        <p:fade/>
+      </p:transition>
+    </mc:Choice>
+    <mc:Fallback xmlns="">
+      <p:transition spd="med">
+        <p:fade/>
+      </p:transition>
+    </mc:Fallback>
+  </mc:AlternateContent>
+  <p:timing>
+    <p:tnLst>
+      <p:par>
+        <p:cTn id="1" dur="indefinite" restart="never" nodeType="tmRoot"/>
+      </p:par>
+    </p:tnLst>
+  </p:timing>
+</p:sld>
+</file>
+
+<file path=ppt/slides/slide13.xml><?xml version="1.0" encoding="utf-8"?>
 <p:sld xmlns:a="http://schemas.openxmlformats.org/drawingml/2006/main" xmlns:r="http://schemas.openxmlformats.org/officeDocument/2006/relationships" xmlns:p="http://schemas.openxmlformats.org/presentationml/2006/main">
   <p:cSld>
     <p:spTree>
@@ -3840,7 +4686,43 @@
             </a:r>
             <a:r>
               <a:rPr lang="ru-RU" sz="3200" dirty="0" smtClean="0"/>
-              <a:t>это магазин сотовых телефонов различных брендов. Он позволяет пользователям просматривать телефоны, их фотографии и технические характеристики, добавлять их в корзину, и фильтровать список телефонов по заданным критериям.</a:t>
+              <a:t>это магазин </a:t>
+            </a:r>
+            <a:r>
+              <a:rPr lang="ru-RU" sz="3200" dirty="0" smtClean="0"/>
+              <a:t>гаджетов и аксессуаров различных </a:t>
+            </a:r>
+            <a:r>
+              <a:rPr lang="ru-RU" sz="3200" dirty="0" smtClean="0"/>
+              <a:t>брендов. Он позволяет пользователям просматривать </a:t>
+            </a:r>
+            <a:r>
+              <a:rPr lang="ru-RU" sz="3200" dirty="0" smtClean="0"/>
+              <a:t>товары, </a:t>
+            </a:r>
+            <a:r>
+              <a:rPr lang="ru-RU" sz="3200" dirty="0" smtClean="0"/>
+              <a:t>их фотографии и технические характеристики, </a:t>
+            </a:r>
+            <a:r>
+              <a:rPr lang="ru-RU" sz="3200" dirty="0" smtClean="0"/>
+              <a:t>добавлять товары </a:t>
+            </a:r>
+            <a:r>
+              <a:rPr lang="ru-RU" sz="3200" dirty="0" smtClean="0"/>
+              <a:t>в корзину, и </a:t>
+            </a:r>
+            <a:r>
+              <a:rPr lang="ru-RU" sz="3200" dirty="0" smtClean="0"/>
+              <a:t>фильтровать и сортировать их </a:t>
+            </a:r>
+            <a:r>
+              <a:rPr lang="ru-RU" sz="3200" dirty="0" smtClean="0"/>
+              <a:t>по заданным критериям</a:t>
+            </a:r>
+            <a:r>
+              <a:rPr lang="ru-RU" sz="3200" dirty="0" smtClean="0"/>
+              <a:t>. Также есть возможность регистрации и аутентификации пользователей.</a:t>
             </a:r>
             <a:r>
               <a:rPr lang="ru-RU" dirty="0" smtClean="0"/>
@@ -4005,13 +4887,13 @@
         </p:nvSpPr>
         <p:spPr>
           <a:xfrm>
-            <a:off x="740340" y="1367650"/>
-            <a:ext cx="11172985" cy="5181195"/>
+            <a:off x="740340" y="1304214"/>
+            <a:ext cx="11172985" cy="5398910"/>
           </a:xfrm>
         </p:spPr>
         <p:txBody>
           <a:bodyPr>
-            <a:normAutofit fontScale="77500" lnSpcReduction="20000"/>
+            <a:normAutofit fontScale="62500" lnSpcReduction="20000"/>
           </a:bodyPr>
           <a:lstStyle/>
           <a:p>
@@ -4020,15 +4902,7 @@
             </a:pPr>
             <a:r>
               <a:rPr lang="ru-RU" sz="3600" dirty="0" smtClean="0"/>
-              <a:t>В </a:t>
-            </a:r>
-            <a:r>
-              <a:rPr lang="ru-RU" sz="3600" dirty="0" smtClean="0"/>
-              <a:t>ходе разработки были использованы следующие технологии</a:t>
-            </a:r>
-            <a:r>
-              <a:rPr lang="ru-RU" sz="3600" dirty="0" smtClean="0"/>
-              <a:t>:</a:t>
+              <a:t>В ходе разработки были использованы следующие технологии:</a:t>
             </a:r>
           </a:p>
           <a:p>
@@ -4044,11 +4918,7 @@
             </a:pPr>
             <a:r>
               <a:rPr lang="en-US" b="1" i="1" dirty="0" smtClean="0"/>
-              <a:t>Spring </a:t>
-            </a:r>
-            <a:r>
-              <a:rPr lang="en-US" b="1" i="1" dirty="0" smtClean="0"/>
-              <a:t>Boot </a:t>
+              <a:t>Spring Boot </a:t>
             </a:r>
             <a:r>
               <a:rPr lang="ru-RU" dirty="0" smtClean="0"/>
@@ -4060,11 +4930,7 @@
             </a:r>
             <a:r>
               <a:rPr lang="ru-RU" dirty="0" smtClean="0"/>
-              <a:t>платформы</a:t>
-            </a:r>
-            <a:r>
-              <a:rPr lang="ru-RU" dirty="0" smtClean="0"/>
-              <a:t>. Упрощает настройки и разработку приложения, т.к. минимизируется конфигурирование </a:t>
+              <a:t>платформы. Упрощает настройки и разработку приложения, т.к. минимизируется конфигурирование </a:t>
             </a:r>
             <a:r>
               <a:rPr lang="en-US" dirty="0" smtClean="0"/>
@@ -4074,36 +4940,12 @@
               <a:rPr lang="ru-RU" dirty="0" smtClean="0"/>
               <a:t>.</a:t>
             </a:r>
-          </a:p>
-          <a:p>
-            <a:pPr marL="0" indent="0">
-              <a:buNone/>
-            </a:pPr>
-            <a:endParaRPr lang="en-US" dirty="0" smtClean="0"/>
           </a:p>
           <a:p>
             <a:pPr>
               <a:buFontTx/>
               <a:buChar char="-"/>
             </a:pPr>
-            <a:r>
-              <a:rPr lang="en-US" b="1" i="1" dirty="0" smtClean="0"/>
-              <a:t>H2 Database </a:t>
-            </a:r>
-            <a:r>
-              <a:rPr lang="ru-RU" dirty="0" smtClean="0"/>
-              <a:t>– открытая кроссплатформенная СУБД, полностью написанная на языке </a:t>
-            </a:r>
-            <a:r>
-              <a:rPr lang="en-US" dirty="0" smtClean="0"/>
-              <a:t>Java.</a:t>
-            </a:r>
-            <a:endParaRPr lang="ru-RU" dirty="0" smtClean="0"/>
-          </a:p>
-          <a:p>
-            <a:pPr marL="0" indent="0">
-              <a:buNone/>
-            </a:pPr>
             <a:endParaRPr lang="en-US" dirty="0" smtClean="0"/>
           </a:p>
           <a:p>
@@ -4113,70 +4955,23 @@
             </a:pPr>
             <a:r>
               <a:rPr lang="en-US" b="1" i="1" dirty="0" smtClean="0"/>
-              <a:t>REST </a:t>
-            </a:r>
-            <a:r>
-              <a:rPr lang="en-US" b="1" i="1" dirty="0" smtClean="0"/>
-              <a:t>API</a:t>
-            </a:r>
-            <a:r>
-              <a:rPr lang="ru-RU" b="1" i="1" dirty="0" smtClean="0"/>
-              <a:t> </a:t>
+              <a:t>H2 Database </a:t>
             </a:r>
             <a:r>
               <a:rPr lang="ru-RU" dirty="0" smtClean="0"/>
-              <a:t>– архитектурный стиль взаимодействия компонентов распределенного приложения в сети. Позволяет наилучшим образо</a:t>
-            </a:r>
-            <a:r>
-              <a:rPr lang="ru-RU" dirty="0" smtClean="0"/>
-              <a:t>м использовать протокол </a:t>
+              <a:t>– открытая кроссплатформенная СУБД, полностью написанная на языке </a:t>
             </a:r>
             <a:r>
               <a:rPr lang="en-US" dirty="0" smtClean="0"/>
-              <a:t>HTTP.</a:t>
+              <a:t>Java.</a:t>
             </a:r>
             <a:endParaRPr lang="ru-RU" dirty="0" smtClean="0"/>
-          </a:p>
-          <a:p>
-            <a:pPr marL="0" indent="0">
-              <a:buNone/>
-            </a:pPr>
-            <a:endParaRPr lang="en-US" dirty="0" smtClean="0"/>
           </a:p>
           <a:p>
             <a:pPr>
               <a:buFontTx/>
               <a:buChar char="-"/>
             </a:pPr>
-            <a:r>
-              <a:rPr lang="en-US" b="1" i="1" dirty="0" smtClean="0"/>
-              <a:t>ReactJS</a:t>
-            </a:r>
-            <a:r>
-              <a:rPr lang="ru-RU" dirty="0" smtClean="0"/>
-              <a:t> – </a:t>
-            </a:r>
-            <a:r>
-              <a:rPr lang="en-US" dirty="0" smtClean="0"/>
-              <a:t>JavaScript-</a:t>
-            </a:r>
-            <a:r>
-              <a:rPr lang="ru-RU" dirty="0" smtClean="0"/>
-              <a:t>библиотека с открытым исходным кодом для разработки пользовательского интерфейса. Разрабатывается и поддерживается </a:t>
-            </a:r>
-            <a:r>
-              <a:rPr lang="en-US" dirty="0" smtClean="0"/>
-              <a:t>Facebook, Inc.</a:t>
-            </a:r>
-            <a:r>
-              <a:rPr lang="ru-RU" dirty="0" smtClean="0"/>
-              <a:t> </a:t>
-            </a:r>
-          </a:p>
-          <a:p>
-            <a:pPr marL="0" indent="0">
-              <a:buNone/>
-            </a:pPr>
             <a:endParaRPr lang="en-US" dirty="0" smtClean="0"/>
           </a:p>
           <a:p>
@@ -4186,11 +4981,7 @@
             </a:pPr>
             <a:r>
               <a:rPr lang="en-US" b="1" i="1" dirty="0" smtClean="0"/>
-              <a:t>Ant </a:t>
-            </a:r>
-            <a:r>
-              <a:rPr lang="en-US" b="1" i="1" dirty="0" smtClean="0"/>
-              <a:t>Design</a:t>
+              <a:t>REST API</a:t>
             </a:r>
             <a:r>
               <a:rPr lang="ru-RU" b="1" i="1" dirty="0" smtClean="0"/>
@@ -4198,8 +4989,119 @@
             </a:r>
             <a:r>
               <a:rPr lang="ru-RU" dirty="0" smtClean="0"/>
+              <a:t>– архитектурный стиль взаимодействия компонентов распределенного приложения в сети. Позволяет наилучшим образом использовать протокол </a:t>
+            </a:r>
+            <a:r>
+              <a:rPr lang="en-US" dirty="0" smtClean="0"/>
+              <a:t>HTTP.</a:t>
+            </a:r>
+            <a:endParaRPr lang="ru-RU" dirty="0" smtClean="0"/>
+          </a:p>
+          <a:p>
+            <a:pPr>
+              <a:buFontTx/>
+              <a:buChar char="-"/>
+            </a:pPr>
+            <a:endParaRPr lang="ru-RU" dirty="0" smtClean="0"/>
+          </a:p>
+          <a:p>
+            <a:pPr>
+              <a:buFontTx/>
+              <a:buChar char="-"/>
+            </a:pPr>
+            <a:r>
+              <a:rPr lang="en-US" b="1" i="1" dirty="0" smtClean="0"/>
+              <a:t>Spring Security – </a:t>
+            </a:r>
+            <a:r>
+              <a:rPr lang="ru-RU" dirty="0" smtClean="0"/>
+              <a:t>это </a:t>
+            </a:r>
+            <a:r>
+              <a:rPr lang="en-US" dirty="0" smtClean="0"/>
+              <a:t>Java </a:t>
+            </a:r>
+            <a:r>
+              <a:rPr lang="en-US" dirty="0" smtClean="0"/>
+              <a:t>Framework</a:t>
+            </a:r>
+            <a:r>
+              <a:rPr lang="ru-RU" dirty="0" smtClean="0"/>
+              <a:t>, предоставляющий</a:t>
+            </a:r>
+            <a:r>
+              <a:rPr lang="ru-RU" dirty="0"/>
+              <a:t> механизмы построения систем аутентификации и авторизации, а также другие возможности обеспечения безопасности для корпоративных приложений, созданных с помощью Spring Framework.</a:t>
+            </a:r>
+            <a:r>
+              <a:rPr lang="ru-RU" dirty="0" smtClean="0"/>
+              <a:t> </a:t>
+            </a:r>
+          </a:p>
+          <a:p>
+            <a:pPr>
+              <a:buFontTx/>
+              <a:buChar char="-"/>
+            </a:pPr>
+            <a:endParaRPr lang="en-US" b="1" i="1" dirty="0" smtClean="0"/>
+          </a:p>
+          <a:p>
+            <a:pPr>
+              <a:buFontTx/>
+              <a:buChar char="-"/>
+            </a:pPr>
+            <a:r>
+              <a:rPr lang="en-US" b="1" i="1" dirty="0" smtClean="0"/>
+              <a:t>ReactJS</a:t>
+            </a:r>
+            <a:r>
+              <a:rPr lang="ru-RU" dirty="0" smtClean="0"/>
+              <a:t> – </a:t>
+            </a:r>
+            <a:r>
+              <a:rPr lang="en-US" dirty="0" smtClean="0"/>
+              <a:t>JavaScript-</a:t>
+            </a:r>
+            <a:r>
+              <a:rPr lang="ru-RU" dirty="0" smtClean="0"/>
+              <a:t>библиотека с открытым исходным кодом для разработки пользовательского интерфейса. Разрабатывается и поддерживается </a:t>
+            </a:r>
+            <a:r>
+              <a:rPr lang="en-US" dirty="0" smtClean="0"/>
+              <a:t>Facebook, Inc.</a:t>
+            </a:r>
+            <a:endParaRPr lang="ru-RU" dirty="0" smtClean="0"/>
+          </a:p>
+          <a:p>
+            <a:pPr>
+              <a:buFontTx/>
+              <a:buChar char="-"/>
+            </a:pPr>
+            <a:endParaRPr lang="en-US" dirty="0" smtClean="0"/>
+          </a:p>
+          <a:p>
+            <a:pPr>
+              <a:buFontTx/>
+              <a:buChar char="-"/>
+            </a:pPr>
+            <a:r>
+              <a:rPr lang="en-US" b="1" i="1" dirty="0" smtClean="0"/>
+              <a:t>Ant Design</a:t>
+            </a:r>
+            <a:r>
+              <a:rPr lang="ru-RU" b="1" i="1" dirty="0" smtClean="0"/>
+              <a:t> </a:t>
+            </a:r>
+            <a:r>
+              <a:rPr lang="ru-RU" dirty="0" smtClean="0"/>
               <a:t>- полноценная дизайн-система, визуальный язык со своими принципами, стайлгайдами и библиотекой компонентов.</a:t>
             </a:r>
+          </a:p>
+          <a:p>
+            <a:pPr>
+              <a:buFontTx/>
+              <a:buChar char="-"/>
+            </a:pPr>
             <a:endParaRPr lang="ru-RU" dirty="0"/>
           </a:p>
         </p:txBody>
@@ -4212,7 +5114,7 @@
         </p:nvSpPr>
         <p:spPr>
           <a:xfrm>
-            <a:off x="740340" y="380884"/>
+            <a:off x="740340" y="244147"/>
             <a:ext cx="6670545" cy="923330"/>
           </a:xfrm>
           <a:prstGeom prst="rect">
@@ -4395,7 +5297,7 @@
       </p:sp>
       <p:pic>
         <p:nvPicPr>
-          <p:cNvPr id="5" name="Рисунок 4"/>
+          <p:cNvPr id="7" name="Рисунок 6"/>
           <p:cNvPicPr>
             <a:picLocks noChangeAspect="1"/>
           </p:cNvPicPr>
@@ -4415,8 +5317,8 @@
         </p:blipFill>
         <p:spPr>
           <a:xfrm>
-            <a:off x="391886" y="1862021"/>
-            <a:ext cx="11321143" cy="3621717"/>
+            <a:off x="32628" y="20326"/>
+            <a:ext cx="559555" cy="447643"/>
           </a:xfrm>
           <a:prstGeom prst="rect">
             <a:avLst/>
@@ -4425,7 +5327,7 @@
       </p:pic>
       <p:pic>
         <p:nvPicPr>
-          <p:cNvPr id="7" name="Рисунок 6"/>
+          <p:cNvPr id="3" name="Рисунок 2"/>
           <p:cNvPicPr>
             <a:picLocks noChangeAspect="1"/>
           </p:cNvPicPr>
@@ -4445,8 +5347,8 @@
         </p:blipFill>
         <p:spPr>
           <a:xfrm>
-            <a:off x="32628" y="20326"/>
-            <a:ext cx="559555" cy="447643"/>
+            <a:off x="838200" y="1691983"/>
+            <a:ext cx="10287000" cy="4876800"/>
           </a:xfrm>
           <a:prstGeom prst="rect">
             <a:avLst/>
@@ -4543,7 +5445,23 @@
           <a:p>
             <a:r>
               <a:rPr lang="ru-RU" dirty="0" smtClean="0"/>
-              <a:t>Отображение последних просмотренных пользователем товаров</a:t>
+              <a:t>Отображение последних просмотренных пользователем </a:t>
+            </a:r>
+            <a:r>
+              <a:rPr lang="ru-RU" dirty="0" smtClean="0"/>
+              <a:t>товаров</a:t>
+            </a:r>
+          </a:p>
+          <a:p>
+            <a:r>
+              <a:rPr lang="ru-RU" dirty="0" smtClean="0"/>
+              <a:t>Регистрация и аутентификация пользователя</a:t>
+            </a:r>
+          </a:p>
+          <a:p>
+            <a:r>
+              <a:rPr lang="ru-RU" dirty="0" smtClean="0"/>
+              <a:t>Отображение корзины аутентифицированного пользователя</a:t>
             </a:r>
             <a:endParaRPr lang="ru-RU" dirty="0"/>
           </a:p>
@@ -4695,13 +5613,13 @@
         </p:nvSpPr>
         <p:spPr>
           <a:xfrm>
-            <a:off x="838199" y="2400390"/>
+            <a:off x="838199" y="2320877"/>
             <a:ext cx="10515600" cy="4351338"/>
           </a:xfrm>
         </p:spPr>
         <p:txBody>
           <a:bodyPr>
-            <a:normAutofit fontScale="92500" lnSpcReduction="20000"/>
+            <a:normAutofit fontScale="85000" lnSpcReduction="20000"/>
           </a:bodyPr>
           <a:lstStyle/>
           <a:p>
@@ -4731,7 +5649,15 @@
             </a:pPr>
             <a:r>
               <a:rPr lang="ru-RU" dirty="0" smtClean="0"/>
-              <a:t>При нажатии на изображение телефона, происходит переход на страницу с деталями товара. При нажатии значка корзины происходит добавление товара в корзину. Внизу можно перейти на следующую страницу с товарами.</a:t>
+              <a:t>При нажатии на изображение телефона, происходит переход на страницу с деталями товара. При нажатии значка корзины происходит добавление товара в корзину. Внизу можно перейти на следующую страницу с товарами</a:t>
+            </a:r>
+            <a:r>
+              <a:rPr lang="ru-RU" dirty="0"/>
+              <a:t>. Выше списка товаров располагается панель, с помощью которой </a:t>
+            </a:r>
+            <a:r>
+              <a:rPr lang="ru-RU" dirty="0" smtClean="0"/>
+              <a:t>можно отсортировать по одному или нескольким критериям и отфильтровать телефоны по заданному критерию.</a:t>
             </a:r>
             <a:endParaRPr lang="ru-RU" dirty="0"/>
           </a:p>
@@ -4794,30 +5720,6 @@
       </p:sp>
       <p:pic>
         <p:nvPicPr>
-          <p:cNvPr id="6" name="Рисунок 5"/>
-          <p:cNvPicPr>
-            <a:picLocks noChangeAspect="1"/>
-          </p:cNvPicPr>
-          <p:nvPr/>
-        </p:nvPicPr>
-        <p:blipFill>
-          <a:blip r:embed="rId2"/>
-          <a:stretch>
-            <a:fillRect/>
-          </a:stretch>
-        </p:blipFill>
-        <p:spPr>
-          <a:xfrm>
-            <a:off x="1349827" y="1202189"/>
-            <a:ext cx="9492343" cy="3861207"/>
-          </a:xfrm>
-          <a:prstGeom prst="rect">
-            <a:avLst/>
-          </a:prstGeom>
-        </p:spPr>
-      </p:pic>
-      <p:pic>
-        <p:nvPicPr>
           <p:cNvPr id="8" name="Рисунок 7"/>
           <p:cNvPicPr>
             <a:picLocks noChangeAspect="1"/>
@@ -4825,7 +5727,7 @@
           <p:nvPr/>
         </p:nvPicPr>
         <p:blipFill>
-          <a:blip r:embed="rId3">
+          <a:blip r:embed="rId2">
             <a:extLst>
               <a:ext uri="{28A0092B-C50C-407E-A947-70E740481C1C}">
                 <a14:useLocalDpi xmlns:a14="http://schemas.microsoft.com/office/drawing/2010/main" val="0"/>
@@ -4844,6 +5746,35 @@
           <a:prstGeom prst="rect">
             <a:avLst/>
           </a:prstGeom>
+        </p:spPr>
+      </p:pic>
+      <p:pic>
+        <p:nvPicPr>
+          <p:cNvPr id="2" name="Рисунок 1"/>
+          <p:cNvPicPr>
+            <a:picLocks noChangeAspect="1"/>
+          </p:cNvPicPr>
+          <p:nvPr/>
+        </p:nvPicPr>
+        <p:blipFill>
+          <a:blip r:embed="rId3"/>
+          <a:stretch>
+            <a:fillRect/>
+          </a:stretch>
+        </p:blipFill>
+        <p:spPr>
+          <a:xfrm>
+            <a:off x="1056160" y="1291642"/>
+            <a:ext cx="9145277" cy="3505689"/>
+          </a:xfrm>
+          <a:prstGeom prst="rect">
+            <a:avLst/>
+          </a:prstGeom>
+          <a:ln>
+            <a:solidFill>
+              <a:schemeClr val="accent1"/>
+            </a:solidFill>
+          </a:ln>
         </p:spPr>
       </p:pic>
     </p:spTree>
@@ -4907,14 +5838,12 @@
         </p:nvSpPr>
         <p:spPr>
           <a:xfrm>
-            <a:off x="815284" y="1978025"/>
-            <a:ext cx="10515600" cy="4792889"/>
+            <a:off x="838200" y="1825624"/>
+            <a:ext cx="10515600" cy="5032375"/>
           </a:xfrm>
         </p:spPr>
         <p:txBody>
-          <a:bodyPr>
-            <a:normAutofit lnSpcReduction="10000"/>
-          </a:bodyPr>
+          <a:bodyPr/>
           <a:lstStyle/>
           <a:p>
             <a:endParaRPr lang="ru-RU" dirty="0" smtClean="0"/>
@@ -4943,46 +5872,30 @@
             </a:pPr>
             <a:r>
               <a:rPr lang="ru-RU" dirty="0" smtClean="0"/>
-              <a:t>Выше списка товаров располагается панель, с помощью которой мы можем отсортировать телефоны по нужному критерию, найти желаемый товар по названию, задать ценовой диапазон для товаров и выбрать один или несколько предпочтительных брендов.</a:t>
+              <a:t>На странице корзины можно увидеть изображения товара, рейтинг, краткое описание, цену, а также технические характеристики. По нажатию кнопки </a:t>
+            </a:r>
+            <a:r>
+              <a:rPr lang="en-US" dirty="0" smtClean="0"/>
+              <a:t>“Add to cart”</a:t>
+            </a:r>
+            <a:r>
+              <a:rPr lang="ru-RU" dirty="0" smtClean="0"/>
+              <a:t> товар добавляется в корзину.</a:t>
             </a:r>
             <a:endParaRPr lang="ru-RU" dirty="0"/>
           </a:p>
         </p:txBody>
       </p:sp>
-      <p:pic>
-        <p:nvPicPr>
-          <p:cNvPr id="5" name="Рисунок 4"/>
-          <p:cNvPicPr>
-            <a:picLocks noChangeAspect="1"/>
-          </p:cNvPicPr>
+      <p:sp>
+        <p:nvSpPr>
+          <p:cNvPr id="5" name="Прямоугольник 4"/>
+          <p:cNvSpPr/>
           <p:nvPr/>
-        </p:nvPicPr>
-        <p:blipFill>
-          <a:blip r:embed="rId2"/>
-          <a:stretch>
-            <a:fillRect/>
-          </a:stretch>
-        </p:blipFill>
+        </p:nvSpPr>
         <p:spPr>
           <a:xfrm>
-            <a:off x="815284" y="1060749"/>
-            <a:ext cx="10296853" cy="4134830"/>
-          </a:xfrm>
-          <a:prstGeom prst="rect">
-            <a:avLst/>
-          </a:prstGeom>
-        </p:spPr>
-      </p:pic>
-      <p:sp>
-        <p:nvSpPr>
-          <p:cNvPr id="6" name="Прямоугольник 5"/>
-          <p:cNvSpPr/>
-          <p:nvPr/>
-        </p:nvSpPr>
-        <p:spPr>
-          <a:xfrm>
-            <a:off x="815284" y="137418"/>
-            <a:ext cx="9864560" cy="923330"/>
+            <a:off x="532124" y="230188"/>
+            <a:ext cx="5110951" cy="923330"/>
           </a:xfrm>
           <a:prstGeom prst="rect">
             <a:avLst/>
@@ -4997,7 +5910,7 @@
           <a:p>
             <a:pPr algn="ctr"/>
             <a:r>
-              <a:rPr lang="ru-RU" sz="5400" dirty="0" smtClean="0">
+              <a:rPr lang="ru-RU" sz="5400" b="0" cap="none" spc="0" dirty="0" smtClean="0">
                 <a:ln w="0"/>
                 <a:solidFill>
                   <a:schemeClr val="accent1"/>
@@ -5010,7 +5923,7 @@
                   </a:outerShdw>
                 </a:effectLst>
               </a:rPr>
-              <a:t>Сортировка, фильтрация и поиск</a:t>
+              <a:t>Страница товара</a:t>
             </a:r>
             <a:endParaRPr lang="ru-RU" sz="5400" b="0" cap="none" spc="0" dirty="0">
               <a:ln w="0"/>
@@ -5030,14 +5943,14 @@
       </p:sp>
       <p:pic>
         <p:nvPicPr>
-          <p:cNvPr id="8" name="Рисунок 7"/>
+          <p:cNvPr id="7" name="Рисунок 6"/>
           <p:cNvPicPr>
             <a:picLocks noChangeAspect="1"/>
           </p:cNvPicPr>
           <p:nvPr/>
         </p:nvPicPr>
         <p:blipFill>
-          <a:blip r:embed="rId3">
+          <a:blip r:embed="rId2">
             <a:extLst>
               <a:ext uri="{28A0092B-C50C-407E-A947-70E740481C1C}">
                 <a14:useLocalDpi xmlns:a14="http://schemas.microsoft.com/office/drawing/2010/main" val="0"/>
@@ -5058,10 +5971,39 @@
           </a:prstGeom>
         </p:spPr>
       </p:pic>
+      <p:pic>
+        <p:nvPicPr>
+          <p:cNvPr id="2" name="Рисунок 1"/>
+          <p:cNvPicPr>
+            <a:picLocks noChangeAspect="1"/>
+          </p:cNvPicPr>
+          <p:nvPr/>
+        </p:nvPicPr>
+        <p:blipFill>
+          <a:blip r:embed="rId3"/>
+          <a:stretch>
+            <a:fillRect/>
+          </a:stretch>
+        </p:blipFill>
+        <p:spPr>
+          <a:xfrm>
+            <a:off x="1066098" y="1289322"/>
+            <a:ext cx="10059804" cy="3840539"/>
+          </a:xfrm>
+          <a:prstGeom prst="rect">
+            <a:avLst/>
+          </a:prstGeom>
+          <a:ln>
+            <a:solidFill>
+              <a:schemeClr val="accent1"/>
+            </a:solidFill>
+          </a:ln>
+        </p:spPr>
+      </p:pic>
     </p:spTree>
     <p:extLst>
       <p:ext uri="{BB962C8B-B14F-4D97-AF65-F5344CB8AC3E}">
-        <p14:creationId xmlns:p14="http://schemas.microsoft.com/office/powerpoint/2010/main" val="729008544"/>
+        <p14:creationId xmlns:p14="http://schemas.microsoft.com/office/powerpoint/2010/main" val="2918612114"/>
       </p:ext>
     </p:extLst>
   </p:cSld>
@@ -5119,12 +6061,14 @@
         </p:nvSpPr>
         <p:spPr>
           <a:xfrm>
-            <a:off x="838200" y="1825624"/>
-            <a:ext cx="10515600" cy="5032375"/>
+            <a:off x="757518" y="1888378"/>
+            <a:ext cx="10515600" cy="4969622"/>
           </a:xfrm>
         </p:spPr>
         <p:txBody>
-          <a:bodyPr/>
+          <a:bodyPr>
+            <a:normAutofit fontScale="92500" lnSpcReduction="10000"/>
+          </a:bodyPr>
           <a:lstStyle/>
           <a:p>
             <a:endParaRPr lang="ru-RU" dirty="0" smtClean="0"/>
@@ -5153,44 +6097,40 @@
             </a:pPr>
             <a:r>
               <a:rPr lang="ru-RU" dirty="0" smtClean="0"/>
-              <a:t>На странице корзины можно увидеть изображения товара, рейтинг, краткое описание, цену, а также технические характеристики. По нажатию кнопки </a:t>
+              <a:t>В шапке корзины отображается количество товаров корзины, их общая стоимость и кнопка, с помощью которой можно удалить все товары из корзины. Кнопка </a:t>
             </a:r>
             <a:r>
               <a:rPr lang="en-US" dirty="0" smtClean="0"/>
-              <a:t>“Add to cart”</a:t>
+              <a:t>“Remove item”</a:t>
             </a:r>
             <a:r>
               <a:rPr lang="ru-RU" dirty="0" smtClean="0"/>
-              <a:t> товар добавляется в корзину.</a:t>
+              <a:t> позволяет удалить конкретный товар из </a:t>
+            </a:r>
+            <a:r>
+              <a:rPr lang="ru-RU" dirty="0" smtClean="0"/>
+              <a:t>корзины, </a:t>
+            </a:r>
+            <a:r>
+              <a:rPr lang="en-US" dirty="0" smtClean="0"/>
+              <a:t>“Clear basket” – </a:t>
+            </a:r>
+            <a:r>
+              <a:rPr lang="ru-RU" dirty="0" smtClean="0"/>
+              <a:t>очистить корзину</a:t>
+            </a:r>
+            <a:r>
+              <a:rPr lang="ru-RU" dirty="0" smtClean="0"/>
+              <a:t>. </a:t>
+            </a:r>
+            <a:r>
+              <a:rPr lang="ru-RU" dirty="0" smtClean="0"/>
+              <a:t>В бэйдже значка корзины также отображается общее количество товаров. </a:t>
             </a:r>
             <a:endParaRPr lang="ru-RU" dirty="0"/>
           </a:p>
         </p:txBody>
       </p:sp>
-      <p:pic>
-        <p:nvPicPr>
-          <p:cNvPr id="4" name="Рисунок 3"/>
-          <p:cNvPicPr>
-            <a:picLocks noChangeAspect="1"/>
-          </p:cNvPicPr>
-          <p:nvPr/>
-        </p:nvPicPr>
-        <p:blipFill>
-          <a:blip r:embed="rId2"/>
-          <a:stretch>
-            <a:fillRect/>
-          </a:stretch>
-        </p:blipFill>
-        <p:spPr>
-          <a:xfrm>
-            <a:off x="685162" y="1153518"/>
-            <a:ext cx="10821676" cy="4159581"/>
-          </a:xfrm>
-          <a:prstGeom prst="rect">
-            <a:avLst/>
-          </a:prstGeom>
-        </p:spPr>
-      </p:pic>
       <p:sp>
         <p:nvSpPr>
           <p:cNvPr id="5" name="Прямоугольник 4"/>
@@ -5199,8 +6139,8 @@
         </p:nvSpPr>
         <p:spPr>
           <a:xfrm>
-            <a:off x="532124" y="230188"/>
-            <a:ext cx="5110951" cy="923330"/>
+            <a:off x="838200" y="0"/>
+            <a:ext cx="5666744" cy="923330"/>
           </a:xfrm>
           <a:prstGeom prst="rect">
             <a:avLst/>
@@ -5228,7 +6168,7 @@
                   </a:outerShdw>
                 </a:effectLst>
               </a:rPr>
-              <a:t>Страница товара</a:t>
+              <a:t>Страница корзины</a:t>
             </a:r>
             <a:endParaRPr lang="ru-RU" sz="5400" b="0" cap="none" spc="0" dirty="0">
               <a:ln w="0"/>
@@ -5255,7 +6195,7 @@
           <p:nvPr/>
         </p:nvPicPr>
         <p:blipFill>
-          <a:blip r:embed="rId3">
+          <a:blip r:embed="rId2">
             <a:extLst>
               <a:ext uri="{28A0092B-C50C-407E-A947-70E740481C1C}">
                 <a14:useLocalDpi xmlns:a14="http://schemas.microsoft.com/office/drawing/2010/main" val="0"/>
@@ -5276,10 +6216,39 @@
           </a:prstGeom>
         </p:spPr>
       </p:pic>
+      <p:pic>
+        <p:nvPicPr>
+          <p:cNvPr id="2" name="Рисунок 1"/>
+          <p:cNvPicPr>
+            <a:picLocks noChangeAspect="1"/>
+          </p:cNvPicPr>
+          <p:nvPr/>
+        </p:nvPicPr>
+        <p:blipFill>
+          <a:blip r:embed="rId3"/>
+          <a:stretch>
+            <a:fillRect/>
+          </a:stretch>
+        </p:blipFill>
+        <p:spPr>
+          <a:xfrm>
+            <a:off x="1899943" y="1041160"/>
+            <a:ext cx="8230749" cy="3768140"/>
+          </a:xfrm>
+          <a:prstGeom prst="rect">
+            <a:avLst/>
+          </a:prstGeom>
+          <a:ln>
+            <a:solidFill>
+              <a:schemeClr val="accent1"/>
+            </a:solidFill>
+          </a:ln>
+        </p:spPr>
+      </p:pic>
     </p:spTree>
     <p:extLst>
       <p:ext uri="{BB962C8B-B14F-4D97-AF65-F5344CB8AC3E}">
-        <p14:creationId xmlns:p14="http://schemas.microsoft.com/office/powerpoint/2010/main" val="2918612114"/>
+        <p14:creationId xmlns:p14="http://schemas.microsoft.com/office/powerpoint/2010/main" val="1374053285"/>
       </p:ext>
     </p:extLst>
   </p:cSld>
@@ -5337,8 +6306,8 @@
         </p:nvSpPr>
         <p:spPr>
           <a:xfrm>
-            <a:off x="757518" y="1888378"/>
-            <a:ext cx="10515600" cy="4969622"/>
+            <a:off x="989773" y="2449221"/>
+            <a:ext cx="10515600" cy="4351338"/>
           </a:xfrm>
         </p:spPr>
         <p:txBody>
@@ -5347,80 +6316,69 @@
           </a:bodyPr>
           <a:lstStyle/>
           <a:p>
+            <a:pPr marL="0" indent="0">
+              <a:buNone/>
+            </a:pPr>
             <a:endParaRPr lang="ru-RU" dirty="0" smtClean="0"/>
           </a:p>
           <a:p>
+            <a:pPr marL="0" indent="0">
+              <a:buNone/>
+            </a:pPr>
+            <a:endParaRPr lang="ru-RU" dirty="0" smtClean="0"/>
+          </a:p>
+          <a:p>
+            <a:pPr marL="0" indent="0">
+              <a:buNone/>
+            </a:pPr>
             <a:endParaRPr lang="ru-RU" dirty="0"/>
           </a:p>
           <a:p>
+            <a:pPr marL="0" indent="0">
+              <a:buNone/>
+            </a:pPr>
             <a:endParaRPr lang="ru-RU" dirty="0" smtClean="0"/>
           </a:p>
           <a:p>
+            <a:pPr marL="0" indent="0">
+              <a:buNone/>
+            </a:pPr>
             <a:endParaRPr lang="ru-RU" dirty="0"/>
           </a:p>
           <a:p>
+            <a:pPr marL="0" indent="0">
+              <a:buNone/>
+            </a:pPr>
             <a:endParaRPr lang="ru-RU" dirty="0" smtClean="0"/>
           </a:p>
           <a:p>
+            <a:pPr marL="0" indent="0">
+              <a:buNone/>
+            </a:pPr>
             <a:endParaRPr lang="ru-RU" dirty="0"/>
           </a:p>
           <a:p>
-            <a:endParaRPr lang="ru-RU" dirty="0" smtClean="0"/>
-          </a:p>
-          <a:p>
             <a:pPr marL="0" indent="0">
               <a:buNone/>
             </a:pPr>
             <a:r>
               <a:rPr lang="ru-RU" dirty="0" smtClean="0"/>
-              <a:t>В шапке корзины отображается количество товаров корзины, их общая стоимость и кнопка, с помощью которой можно удалить все товары из корзины. Кнопка </a:t>
-            </a:r>
-            <a:r>
-              <a:rPr lang="en-US" dirty="0" smtClean="0"/>
-              <a:t>“Remove item”</a:t>
-            </a:r>
-            <a:r>
-              <a:rPr lang="ru-RU" dirty="0" smtClean="0"/>
-              <a:t> позволяет удалить конкретный товар из корзины. В бэйдже значка корзины также отображается общее количество товаров. </a:t>
+              <a:t>Недавно просмотренные товары отображаются ниже баннера главной страницы. Если просмотренных товаров нет, то на главной странице данная секция отсутствует.</a:t>
             </a:r>
             <a:endParaRPr lang="ru-RU" dirty="0"/>
           </a:p>
         </p:txBody>
       </p:sp>
-      <p:pic>
-        <p:nvPicPr>
-          <p:cNvPr id="4" name="Рисунок 3"/>
-          <p:cNvPicPr>
-            <a:picLocks noChangeAspect="1"/>
-          </p:cNvPicPr>
+      <p:sp>
+        <p:nvSpPr>
+          <p:cNvPr id="4" name="Прямоугольник 3"/>
+          <p:cNvSpPr/>
           <p:nvPr/>
-        </p:nvPicPr>
-        <p:blipFill>
-          <a:blip r:embed="rId2"/>
-          <a:stretch>
-            <a:fillRect/>
-          </a:stretch>
-        </p:blipFill>
+        </p:nvSpPr>
         <p:spPr>
           <a:xfrm>
-            <a:off x="838200" y="923330"/>
-            <a:ext cx="9952030" cy="4016188"/>
-          </a:xfrm>
-          <a:prstGeom prst="rect">
-            <a:avLst/>
-          </a:prstGeom>
-        </p:spPr>
-      </p:pic>
-      <p:sp>
-        <p:nvSpPr>
-          <p:cNvPr id="5" name="Прямоугольник 4"/>
-          <p:cNvSpPr/>
-          <p:nvPr/>
-        </p:nvSpPr>
-        <p:spPr>
-          <a:xfrm>
-            <a:off x="838200" y="0"/>
-            <a:ext cx="5666744" cy="923330"/>
+            <a:off x="812075" y="141404"/>
+            <a:ext cx="9900595" cy="923330"/>
           </a:xfrm>
           <a:prstGeom prst="rect">
             <a:avLst/>
@@ -5448,7 +6406,7 @@
                   </a:outerShdw>
                 </a:effectLst>
               </a:rPr>
-              <a:t>Страница корзины</a:t>
+              <a:t>Недавно просмотренные товары</a:t>
             </a:r>
             <a:endParaRPr lang="ru-RU" sz="5400" b="0" cap="none" spc="0" dirty="0">
               <a:ln w="0"/>
@@ -5468,14 +6426,14 @@
       </p:sp>
       <p:pic>
         <p:nvPicPr>
-          <p:cNvPr id="7" name="Рисунок 6"/>
+          <p:cNvPr id="6" name="Рисунок 5"/>
           <p:cNvPicPr>
             <a:picLocks noChangeAspect="1"/>
           </p:cNvPicPr>
           <p:nvPr/>
         </p:nvPicPr>
         <p:blipFill>
-          <a:blip r:embed="rId3">
+          <a:blip r:embed="rId2">
             <a:extLst>
               <a:ext uri="{28A0092B-C50C-407E-A947-70E740481C1C}">
                 <a14:useLocalDpi xmlns:a14="http://schemas.microsoft.com/office/drawing/2010/main" val="0"/>
@@ -5496,10 +6454,68 @@
           </a:prstGeom>
         </p:spPr>
       </p:pic>
+      <p:pic>
+        <p:nvPicPr>
+          <p:cNvPr id="2" name="Рисунок 1"/>
+          <p:cNvPicPr>
+            <a:picLocks noChangeAspect="1"/>
+          </p:cNvPicPr>
+          <p:nvPr/>
+        </p:nvPicPr>
+        <p:blipFill>
+          <a:blip r:embed="rId3"/>
+          <a:stretch>
+            <a:fillRect/>
+          </a:stretch>
+        </p:blipFill>
+        <p:spPr>
+          <a:xfrm>
+            <a:off x="989774" y="1064734"/>
+            <a:ext cx="4009610" cy="4207127"/>
+          </a:xfrm>
+          <a:prstGeom prst="rect">
+            <a:avLst/>
+          </a:prstGeom>
+          <a:ln>
+            <a:solidFill>
+              <a:schemeClr val="accent1"/>
+            </a:solidFill>
+          </a:ln>
+        </p:spPr>
+      </p:pic>
+      <p:pic>
+        <p:nvPicPr>
+          <p:cNvPr id="8" name="Рисунок 7"/>
+          <p:cNvPicPr>
+            <a:picLocks noChangeAspect="1"/>
+          </p:cNvPicPr>
+          <p:nvPr/>
+        </p:nvPicPr>
+        <p:blipFill>
+          <a:blip r:embed="rId4"/>
+          <a:stretch>
+            <a:fillRect/>
+          </a:stretch>
+        </p:blipFill>
+        <p:spPr>
+          <a:xfrm>
+            <a:off x="5606145" y="1064734"/>
+            <a:ext cx="5797464" cy="3368118"/>
+          </a:xfrm>
+          <a:prstGeom prst="rect">
+            <a:avLst/>
+          </a:prstGeom>
+          <a:ln>
+            <a:solidFill>
+              <a:schemeClr val="accent1"/>
+            </a:solidFill>
+          </a:ln>
+        </p:spPr>
+      </p:pic>
     </p:spTree>
     <p:extLst>
       <p:ext uri="{BB962C8B-B14F-4D97-AF65-F5344CB8AC3E}">
-        <p14:creationId xmlns:p14="http://schemas.microsoft.com/office/powerpoint/2010/main" val="1374053285"/>
+        <p14:creationId xmlns:p14="http://schemas.microsoft.com/office/powerpoint/2010/main" val="2453319453"/>
       </p:ext>
     </p:extLst>
   </p:cSld>

--- a/Project presentation.pptx
+++ b/Project presentation.pptx
@@ -4686,43 +4686,7 @@
             </a:r>
             <a:r>
               <a:rPr lang="ru-RU" sz="3200" dirty="0" smtClean="0"/>
-              <a:t>это магазин </a:t>
-            </a:r>
-            <a:r>
-              <a:rPr lang="ru-RU" sz="3200" dirty="0" smtClean="0"/>
-              <a:t>гаджетов и аксессуаров различных </a:t>
-            </a:r>
-            <a:r>
-              <a:rPr lang="ru-RU" sz="3200" dirty="0" smtClean="0"/>
-              <a:t>брендов. Он позволяет пользователям просматривать </a:t>
-            </a:r>
-            <a:r>
-              <a:rPr lang="ru-RU" sz="3200" dirty="0" smtClean="0"/>
-              <a:t>товары, </a:t>
-            </a:r>
-            <a:r>
-              <a:rPr lang="ru-RU" sz="3200" dirty="0" smtClean="0"/>
-              <a:t>их фотографии и технические характеристики, </a:t>
-            </a:r>
-            <a:r>
-              <a:rPr lang="ru-RU" sz="3200" dirty="0" smtClean="0"/>
-              <a:t>добавлять товары </a:t>
-            </a:r>
-            <a:r>
-              <a:rPr lang="ru-RU" sz="3200" dirty="0" smtClean="0"/>
-              <a:t>в корзину, и </a:t>
-            </a:r>
-            <a:r>
-              <a:rPr lang="ru-RU" sz="3200" dirty="0" smtClean="0"/>
-              <a:t>фильтровать и сортировать их </a:t>
-            </a:r>
-            <a:r>
-              <a:rPr lang="ru-RU" sz="3200" dirty="0" smtClean="0"/>
-              <a:t>по заданным критериям</a:t>
-            </a:r>
-            <a:r>
-              <a:rPr lang="ru-RU" sz="3200" dirty="0" smtClean="0"/>
-              <a:t>. Также есть возможность регистрации и аутентификации пользователей.</a:t>
+              <a:t>это магазин гаджетов и аксессуаров различных брендов. Он позволяет пользователям просматривать товары, их фотографии и технические характеристики, добавлять товары в корзину, и фильтровать и сортировать их по заданным критериям. Также есть возможность регистрации и аутентификации пользователей.</a:t>
             </a:r>
             <a:r>
               <a:rPr lang="ru-RU" dirty="0" smtClean="0"/>
@@ -5019,11 +4983,7 @@
             </a:r>
             <a:r>
               <a:rPr lang="en-US" dirty="0" smtClean="0"/>
-              <a:t>Java </a:t>
-            </a:r>
-            <a:r>
-              <a:rPr lang="en-US" dirty="0" smtClean="0"/>
-              <a:t>Framework</a:t>
+              <a:t>Java Framework</a:t>
             </a:r>
             <a:r>
               <a:rPr lang="ru-RU" dirty="0" smtClean="0"/>
@@ -5445,11 +5405,7 @@
           <a:p>
             <a:r>
               <a:rPr lang="ru-RU" dirty="0" smtClean="0"/>
-              <a:t>Отображение последних просмотренных пользователем </a:t>
-            </a:r>
-            <a:r>
-              <a:rPr lang="ru-RU" dirty="0" smtClean="0"/>
-              <a:t>товаров</a:t>
+              <a:t>Отображение последних просмотренных пользователем товаров</a:t>
             </a:r>
           </a:p>
           <a:p>
@@ -5649,7 +5605,15 @@
             </a:pPr>
             <a:r>
               <a:rPr lang="ru-RU" dirty="0" smtClean="0"/>
-              <a:t>При нажатии на изображение телефона, происходит переход на страницу с деталями товара. При нажатии значка корзины происходит добавление товара в корзину. Внизу можно перейти на следующую страницу с товарами</a:t>
+              <a:t>При нажатии на изображение </a:t>
+            </a:r>
+            <a:r>
+              <a:rPr lang="ru-RU" dirty="0" smtClean="0"/>
+              <a:t>товара</a:t>
+            </a:r>
+            <a:r>
+              <a:rPr lang="ru-RU" dirty="0" smtClean="0"/>
+              <a:t>, происходит переход на страницу с деталями товара. При нажатии значка корзины происходит добавление товара в корзину. Внизу можно перейти на следующую страницу с товарами</a:t>
             </a:r>
             <a:r>
               <a:rPr lang="ru-RU" dirty="0"/>
@@ -5657,7 +5621,15 @@
             </a:r>
             <a:r>
               <a:rPr lang="ru-RU" dirty="0" smtClean="0"/>
-              <a:t>можно отсортировать по одному или нескольким критериям и отфильтровать телефоны по заданному критерию.</a:t>
+              <a:t>можно отсортировать по одному или нескольким критериям и отфильтровать </a:t>
+            </a:r>
+            <a:r>
+              <a:rPr lang="ru-RU" dirty="0" smtClean="0"/>
+              <a:t>товары </a:t>
+            </a:r>
+            <a:r>
+              <a:rPr lang="ru-RU" dirty="0" smtClean="0"/>
+              <a:t>по заданному критерию.</a:t>
             </a:r>
             <a:endParaRPr lang="ru-RU" dirty="0"/>
           </a:p>
@@ -6105,11 +6077,7 @@
             </a:r>
             <a:r>
               <a:rPr lang="ru-RU" dirty="0" smtClean="0"/>
-              <a:t> позволяет удалить конкретный товар из </a:t>
-            </a:r>
-            <a:r>
-              <a:rPr lang="ru-RU" dirty="0" smtClean="0"/>
-              <a:t>корзины, </a:t>
+              <a:t> позволяет удалить конкретный товар из корзины, </a:t>
             </a:r>
             <a:r>
               <a:rPr lang="en-US" dirty="0" smtClean="0"/>
@@ -6117,15 +6085,7 @@
             </a:r>
             <a:r>
               <a:rPr lang="ru-RU" dirty="0" smtClean="0"/>
-              <a:t>очистить корзину</a:t>
-            </a:r>
-            <a:r>
-              <a:rPr lang="ru-RU" dirty="0" smtClean="0"/>
-              <a:t>. </a:t>
-            </a:r>
-            <a:r>
-              <a:rPr lang="ru-RU" dirty="0" smtClean="0"/>
-              <a:t>В бэйдже значка корзины также отображается общее количество товаров. </a:t>
+              <a:t>очистить корзину. В бэйдже значка корзины также отображается общее количество товаров. </a:t>
             </a:r>
             <a:endParaRPr lang="ru-RU" dirty="0"/>
           </a:p>

--- a/Project presentation.pptx
+++ b/Project presentation.pptx
@@ -255,7 +255,7 @@
           <a:p>
             <a:fld id="{1ADA7EFB-2E69-4F89-BEE6-28EA995B23A0}" type="datetimeFigureOut">
               <a:rPr lang="ru-RU" smtClean="0"/>
-              <a:t>07.05.2021</a:t>
+              <a:t>11.05.2021</a:t>
             </a:fld>
             <a:endParaRPr lang="ru-RU"/>
           </a:p>
@@ -437,7 +437,7 @@
           <a:p>
             <a:fld id="{1ADA7EFB-2E69-4F89-BEE6-28EA995B23A0}" type="datetimeFigureOut">
               <a:rPr lang="ru-RU" smtClean="0"/>
-              <a:t>07.05.2021</a:t>
+              <a:t>11.05.2021</a:t>
             </a:fld>
             <a:endParaRPr lang="ru-RU"/>
           </a:p>
@@ -629,7 +629,7 @@
           <a:p>
             <a:fld id="{1ADA7EFB-2E69-4F89-BEE6-28EA995B23A0}" type="datetimeFigureOut">
               <a:rPr lang="ru-RU" smtClean="0"/>
-              <a:t>07.05.2021</a:t>
+              <a:t>11.05.2021</a:t>
             </a:fld>
             <a:endParaRPr lang="ru-RU"/>
           </a:p>
@@ -811,7 +811,7 @@
           <a:p>
             <a:fld id="{1ADA7EFB-2E69-4F89-BEE6-28EA995B23A0}" type="datetimeFigureOut">
               <a:rPr lang="ru-RU" smtClean="0"/>
-              <a:t>07.05.2021</a:t>
+              <a:t>11.05.2021</a:t>
             </a:fld>
             <a:endParaRPr lang="ru-RU"/>
           </a:p>
@@ -1069,7 +1069,7 @@
           <a:p>
             <a:fld id="{1ADA7EFB-2E69-4F89-BEE6-28EA995B23A0}" type="datetimeFigureOut">
               <a:rPr lang="ru-RU" smtClean="0"/>
-              <a:t>07.05.2021</a:t>
+              <a:t>11.05.2021</a:t>
             </a:fld>
             <a:endParaRPr lang="ru-RU"/>
           </a:p>
@@ -1313,7 +1313,7 @@
           <a:p>
             <a:fld id="{1ADA7EFB-2E69-4F89-BEE6-28EA995B23A0}" type="datetimeFigureOut">
               <a:rPr lang="ru-RU" smtClean="0"/>
-              <a:t>07.05.2021</a:t>
+              <a:t>11.05.2021</a:t>
             </a:fld>
             <a:endParaRPr lang="ru-RU"/>
           </a:p>
@@ -1692,7 +1692,7 @@
           <a:p>
             <a:fld id="{1ADA7EFB-2E69-4F89-BEE6-28EA995B23A0}" type="datetimeFigureOut">
               <a:rPr lang="ru-RU" smtClean="0"/>
-              <a:t>07.05.2021</a:t>
+              <a:t>11.05.2021</a:t>
             </a:fld>
             <a:endParaRPr lang="ru-RU"/>
           </a:p>
@@ -1822,7 +1822,7 @@
           <a:p>
             <a:fld id="{1ADA7EFB-2E69-4F89-BEE6-28EA995B23A0}" type="datetimeFigureOut">
               <a:rPr lang="ru-RU" smtClean="0"/>
-              <a:t>07.05.2021</a:t>
+              <a:t>11.05.2021</a:t>
             </a:fld>
             <a:endParaRPr lang="ru-RU"/>
           </a:p>
@@ -1929,7 +1929,7 @@
           <a:p>
             <a:fld id="{1ADA7EFB-2E69-4F89-BEE6-28EA995B23A0}" type="datetimeFigureOut">
               <a:rPr lang="ru-RU" smtClean="0"/>
-              <a:t>07.05.2021</a:t>
+              <a:t>11.05.2021</a:t>
             </a:fld>
             <a:endParaRPr lang="ru-RU"/>
           </a:p>
@@ -2218,7 +2218,7 @@
           <a:p>
             <a:fld id="{1ADA7EFB-2E69-4F89-BEE6-28EA995B23A0}" type="datetimeFigureOut">
               <a:rPr lang="ru-RU" smtClean="0"/>
-              <a:t>07.05.2021</a:t>
+              <a:t>11.05.2021</a:t>
             </a:fld>
             <a:endParaRPr lang="ru-RU"/>
           </a:p>
@@ -2483,7 +2483,7 @@
           <a:p>
             <a:fld id="{1ADA7EFB-2E69-4F89-BEE6-28EA995B23A0}" type="datetimeFigureOut">
               <a:rPr lang="ru-RU" smtClean="0"/>
-              <a:t>07.05.2021</a:t>
+              <a:t>11.05.2021</a:t>
             </a:fld>
             <a:endParaRPr lang="ru-RU"/>
           </a:p>
@@ -2708,7 +2708,7 @@
           <a:p>
             <a:fld id="{1ADA7EFB-2E69-4F89-BEE6-28EA995B23A0}" type="datetimeFigureOut">
               <a:rPr lang="ru-RU" smtClean="0"/>
-              <a:t>07.05.2021</a:t>
+              <a:t>11.05.2021</a:t>
             </a:fld>
             <a:endParaRPr lang="ru-RU"/>
           </a:p>
@@ -4857,7 +4857,7 @@
         </p:spPr>
         <p:txBody>
           <a:bodyPr>
-            <a:normAutofit fontScale="62500" lnSpcReduction="20000"/>
+            <a:normAutofit fontScale="55000" lnSpcReduction="20000"/>
           </a:bodyPr>
           <a:lstStyle/>
           <a:p>
@@ -4866,8 +4866,13 @@
             </a:pPr>
             <a:r>
               <a:rPr lang="ru-RU" sz="3600" dirty="0" smtClean="0"/>
-              <a:t>В ходе разработки были использованы следующие технологии:</a:t>
-            </a:r>
+              <a:t>В ходе разработки были использованы следующие технологии</a:t>
+            </a:r>
+            <a:r>
+              <a:rPr lang="ru-RU" sz="3600" dirty="0" smtClean="0"/>
+              <a:t>:</a:t>
+            </a:r>
+            <a:endParaRPr lang="ru-RU" sz="3600" dirty="0" smtClean="0"/>
           </a:p>
           <a:p>
             <a:pPr marL="0" indent="0">
@@ -4882,11 +4887,43 @@
             </a:pPr>
             <a:r>
               <a:rPr lang="en-US" b="1" i="1" dirty="0" smtClean="0"/>
-              <a:t>Spring Boot </a:t>
+              <a:t>Spring Framework </a:t>
+            </a:r>
+            <a:r>
+              <a:rPr lang="en-US" dirty="0" smtClean="0"/>
+              <a:t>- </a:t>
+            </a:r>
+            <a:r>
+              <a:rPr lang="ru-RU" dirty="0"/>
+              <a:t>универсальный фреймворк с открытым исходным кодом для </a:t>
+            </a:r>
+            <a:r>
+              <a:rPr lang="en-US" dirty="0"/>
+              <a:t>Java-</a:t>
             </a:r>
             <a:r>
               <a:rPr lang="ru-RU" dirty="0" smtClean="0"/>
-              <a:t>– универсальный фреймворк с открытым исходным кодом для </a:t>
+              <a:t>платформы, предоставляющий комплексную </a:t>
+            </a:r>
+            <a:r>
+              <a:rPr lang="ru-RU" dirty="0"/>
+              <a:t>модель </a:t>
+            </a:r>
+            <a:r>
+              <a:rPr lang="ru-RU" dirty="0" smtClean="0"/>
+              <a:t>для программирования </a:t>
+            </a:r>
+            <a:r>
+              <a:rPr lang="ru-RU" dirty="0"/>
+              <a:t>и </a:t>
+            </a:r>
+            <a:r>
+              <a:rPr lang="ru-RU" dirty="0" smtClean="0"/>
+              <a:t>конфигурирования современных </a:t>
+            </a:r>
+            <a:r>
+              <a:rPr lang="ru-RU" dirty="0"/>
+              <a:t>корпоративных </a:t>
             </a:r>
             <a:r>
               <a:rPr lang="en-US" dirty="0" smtClean="0"/>
@@ -4894,16 +4931,50 @@
             </a:r>
             <a:r>
               <a:rPr lang="ru-RU" dirty="0" smtClean="0"/>
-              <a:t>платформы. Упрощает настройки и разработку приложения, т.к. минимизируется конфигурирование </a:t>
-            </a:r>
-            <a:r>
-              <a:rPr lang="en-US" dirty="0" smtClean="0"/>
-              <a:t>Spring</a:t>
+              <a:t>приложений .</a:t>
+            </a:r>
+          </a:p>
+          <a:p>
+            <a:pPr>
+              <a:buFontTx/>
+              <a:buChar char="-"/>
+            </a:pPr>
+            <a:endParaRPr lang="ru-RU" dirty="0" smtClean="0"/>
+          </a:p>
+          <a:p>
+            <a:pPr>
+              <a:buFontTx/>
+              <a:buChar char="-"/>
+            </a:pPr>
+            <a:r>
+              <a:rPr lang="en-US" b="1" i="1" dirty="0"/>
+              <a:t>Spring Boot </a:t>
+            </a:r>
+            <a:r>
+              <a:rPr lang="ru-RU" dirty="0"/>
+              <a:t>– универсальный фреймворк с открытым исходным кодом для </a:t>
+            </a:r>
+            <a:r>
+              <a:rPr lang="en-US" dirty="0"/>
+              <a:t>Java-</a:t>
             </a:r>
             <a:r>
               <a:rPr lang="ru-RU" dirty="0" smtClean="0"/>
-              <a:t>.</a:t>
-            </a:r>
+              <a:t>платформы, позволяющий легко </a:t>
+            </a:r>
+            <a:r>
+              <a:rPr lang="ru-RU" dirty="0"/>
+              <a:t>создавать автономные, производственные приложения на основе Spring, которые </a:t>
+            </a:r>
+            <a:r>
+              <a:rPr lang="ru-RU" dirty="0" smtClean="0"/>
+              <a:t>можно </a:t>
+            </a:r>
+            <a:r>
+              <a:rPr lang="ru-RU" dirty="0"/>
+              <a:t>"просто запустить".</a:t>
+            </a:r>
+            <a:endParaRPr lang="ru-RU" dirty="0"/>
           </a:p>
           <a:p>
             <a:pPr>
@@ -5287,7 +5358,7 @@
       </p:pic>
       <p:pic>
         <p:nvPicPr>
-          <p:cNvPr id="3" name="Рисунок 2"/>
+          <p:cNvPr id="2" name="Рисунок 1"/>
           <p:cNvPicPr>
             <a:picLocks noChangeAspect="1"/>
           </p:cNvPicPr>
@@ -5307,8 +5378,8 @@
         </p:blipFill>
         <p:spPr>
           <a:xfrm>
-            <a:off x="838200" y="1691983"/>
-            <a:ext cx="10287000" cy="4876800"/>
+            <a:off x="838200" y="1654628"/>
+            <a:ext cx="10544173" cy="4998719"/>
           </a:xfrm>
           <a:prstGeom prst="rect">
             <a:avLst/>
@@ -5605,15 +5676,7 @@
             </a:pPr>
             <a:r>
               <a:rPr lang="ru-RU" dirty="0" smtClean="0"/>
-              <a:t>При нажатии на изображение </a:t>
-            </a:r>
-            <a:r>
-              <a:rPr lang="ru-RU" dirty="0" smtClean="0"/>
-              <a:t>товара</a:t>
-            </a:r>
-            <a:r>
-              <a:rPr lang="ru-RU" dirty="0" smtClean="0"/>
-              <a:t>, происходит переход на страницу с деталями товара. При нажатии значка корзины происходит добавление товара в корзину. Внизу можно перейти на следующую страницу с товарами</a:t>
+              <a:t>При нажатии на изображение товара, происходит переход на страницу с деталями товара. При нажатии значка корзины происходит добавление товара в корзину. Внизу можно перейти на следующую страницу с товарами</a:t>
             </a:r>
             <a:r>
               <a:rPr lang="ru-RU" dirty="0"/>
@@ -5621,15 +5684,7 @@
             </a:r>
             <a:r>
               <a:rPr lang="ru-RU" dirty="0" smtClean="0"/>
-              <a:t>можно отсортировать по одному или нескольким критериям и отфильтровать </a:t>
-            </a:r>
-            <a:r>
-              <a:rPr lang="ru-RU" dirty="0" smtClean="0"/>
-              <a:t>товары </a:t>
-            </a:r>
-            <a:r>
-              <a:rPr lang="ru-RU" dirty="0" smtClean="0"/>
-              <a:t>по заданному критерию.</a:t>
+              <a:t>можно отсортировать по одному или нескольким критериям и отфильтровать товары по заданному критерию.</a:t>
             </a:r>
             <a:endParaRPr lang="ru-RU" dirty="0"/>
           </a:p>

--- a/Project presentation.pptx
+++ b/Project presentation.pptx
@@ -255,7 +255,7 @@
           <a:p>
             <a:fld id="{1ADA7EFB-2E69-4F89-BEE6-28EA995B23A0}" type="datetimeFigureOut">
               <a:rPr lang="ru-RU" smtClean="0"/>
-              <a:t>11.05.2021</a:t>
+              <a:t>13.05.2021</a:t>
             </a:fld>
             <a:endParaRPr lang="ru-RU"/>
           </a:p>
@@ -437,7 +437,7 @@
           <a:p>
             <a:fld id="{1ADA7EFB-2E69-4F89-BEE6-28EA995B23A0}" type="datetimeFigureOut">
               <a:rPr lang="ru-RU" smtClean="0"/>
-              <a:t>11.05.2021</a:t>
+              <a:t>13.05.2021</a:t>
             </a:fld>
             <a:endParaRPr lang="ru-RU"/>
           </a:p>
@@ -629,7 +629,7 @@
           <a:p>
             <a:fld id="{1ADA7EFB-2E69-4F89-BEE6-28EA995B23A0}" type="datetimeFigureOut">
               <a:rPr lang="ru-RU" smtClean="0"/>
-              <a:t>11.05.2021</a:t>
+              <a:t>13.05.2021</a:t>
             </a:fld>
             <a:endParaRPr lang="ru-RU"/>
           </a:p>
@@ -811,7 +811,7 @@
           <a:p>
             <a:fld id="{1ADA7EFB-2E69-4F89-BEE6-28EA995B23A0}" type="datetimeFigureOut">
               <a:rPr lang="ru-RU" smtClean="0"/>
-              <a:t>11.05.2021</a:t>
+              <a:t>13.05.2021</a:t>
             </a:fld>
             <a:endParaRPr lang="ru-RU"/>
           </a:p>
@@ -1069,7 +1069,7 @@
           <a:p>
             <a:fld id="{1ADA7EFB-2E69-4F89-BEE6-28EA995B23A0}" type="datetimeFigureOut">
               <a:rPr lang="ru-RU" smtClean="0"/>
-              <a:t>11.05.2021</a:t>
+              <a:t>13.05.2021</a:t>
             </a:fld>
             <a:endParaRPr lang="ru-RU"/>
           </a:p>
@@ -1313,7 +1313,7 @@
           <a:p>
             <a:fld id="{1ADA7EFB-2E69-4F89-BEE6-28EA995B23A0}" type="datetimeFigureOut">
               <a:rPr lang="ru-RU" smtClean="0"/>
-              <a:t>11.05.2021</a:t>
+              <a:t>13.05.2021</a:t>
             </a:fld>
             <a:endParaRPr lang="ru-RU"/>
           </a:p>
@@ -1692,7 +1692,7 @@
           <a:p>
             <a:fld id="{1ADA7EFB-2E69-4F89-BEE6-28EA995B23A0}" type="datetimeFigureOut">
               <a:rPr lang="ru-RU" smtClean="0"/>
-              <a:t>11.05.2021</a:t>
+              <a:t>13.05.2021</a:t>
             </a:fld>
             <a:endParaRPr lang="ru-RU"/>
           </a:p>
@@ -1822,7 +1822,7 @@
           <a:p>
             <a:fld id="{1ADA7EFB-2E69-4F89-BEE6-28EA995B23A0}" type="datetimeFigureOut">
               <a:rPr lang="ru-RU" smtClean="0"/>
-              <a:t>11.05.2021</a:t>
+              <a:t>13.05.2021</a:t>
             </a:fld>
             <a:endParaRPr lang="ru-RU"/>
           </a:p>
@@ -1929,7 +1929,7 @@
           <a:p>
             <a:fld id="{1ADA7EFB-2E69-4F89-BEE6-28EA995B23A0}" type="datetimeFigureOut">
               <a:rPr lang="ru-RU" smtClean="0"/>
-              <a:t>11.05.2021</a:t>
+              <a:t>13.05.2021</a:t>
             </a:fld>
             <a:endParaRPr lang="ru-RU"/>
           </a:p>
@@ -2218,7 +2218,7 @@
           <a:p>
             <a:fld id="{1ADA7EFB-2E69-4F89-BEE6-28EA995B23A0}" type="datetimeFigureOut">
               <a:rPr lang="ru-RU" smtClean="0"/>
-              <a:t>11.05.2021</a:t>
+              <a:t>13.05.2021</a:t>
             </a:fld>
             <a:endParaRPr lang="ru-RU"/>
           </a:p>
@@ -2483,7 +2483,7 @@
           <a:p>
             <a:fld id="{1ADA7EFB-2E69-4F89-BEE6-28EA995B23A0}" type="datetimeFigureOut">
               <a:rPr lang="ru-RU" smtClean="0"/>
-              <a:t>11.05.2021</a:t>
+              <a:t>13.05.2021</a:t>
             </a:fld>
             <a:endParaRPr lang="ru-RU"/>
           </a:p>
@@ -2708,7 +2708,7 @@
           <a:p>
             <a:fld id="{1ADA7EFB-2E69-4F89-BEE6-28EA995B23A0}" type="datetimeFigureOut">
               <a:rPr lang="ru-RU" smtClean="0"/>
-              <a:t>11.05.2021</a:t>
+              <a:t>13.05.2021</a:t>
             </a:fld>
             <a:endParaRPr lang="ru-RU"/>
           </a:p>
@@ -4686,7 +4686,15 @@
             </a:r>
             <a:r>
               <a:rPr lang="ru-RU" sz="3200" dirty="0" smtClean="0"/>
-              <a:t>это магазин гаджетов и аксессуаров различных брендов. Он позволяет пользователям просматривать товары, их фотографии и технические характеристики, добавлять товары в корзину, и фильтровать и сортировать их по заданным критериям. Также есть возможность регистрации и аутентификации пользователей.</a:t>
+              <a:t>это магазин гаджетов и </a:t>
+            </a:r>
+            <a:r>
+              <a:rPr lang="ru-RU" sz="3200" dirty="0" smtClean="0"/>
+              <a:t>аксессуаров. </a:t>
+            </a:r>
+            <a:r>
+              <a:rPr lang="ru-RU" sz="3200" dirty="0" smtClean="0"/>
+              <a:t>Он позволяет пользователям просматривать товары, их фотографии и технические характеристики, добавлять товары в корзину, и фильтровать и сортировать их по заданным критериям. Также есть возможность регистрации и аутентификации пользователей.</a:t>
             </a:r>
             <a:r>
               <a:rPr lang="ru-RU" dirty="0" smtClean="0"/>
@@ -4866,13 +4874,8 @@
             </a:pPr>
             <a:r>
               <a:rPr lang="ru-RU" sz="3600" dirty="0" smtClean="0"/>
-              <a:t>В ходе разработки были использованы следующие технологии</a:t>
-            </a:r>
-            <a:r>
-              <a:rPr lang="ru-RU" sz="3600" dirty="0" smtClean="0"/>
-              <a:t>:</a:t>
-            </a:r>
-            <a:endParaRPr lang="ru-RU" sz="3600" dirty="0" smtClean="0"/>
+              <a:t>В ходе разработки были использованы следующие технологии:</a:t>
+            </a:r>
           </a:p>
           <a:p>
             <a:pPr marL="0" indent="0">
@@ -4974,7 +4977,6 @@
               <a:rPr lang="ru-RU" dirty="0"/>
               <a:t>"просто запустить".</a:t>
             </a:r>
-            <a:endParaRPr lang="ru-RU" dirty="0"/>
           </a:p>
           <a:p>
             <a:pPr>
@@ -5358,7 +5360,7 @@
       </p:pic>
       <p:pic>
         <p:nvPicPr>
-          <p:cNvPr id="2" name="Рисунок 1"/>
+          <p:cNvPr id="5" name="Рисунок 4"/>
           <p:cNvPicPr>
             <a:picLocks noChangeAspect="1"/>
           </p:cNvPicPr>
@@ -5378,8 +5380,8 @@
         </p:blipFill>
         <p:spPr>
           <a:xfrm>
-            <a:off x="838200" y="1654628"/>
-            <a:ext cx="10544173" cy="4998719"/>
+            <a:off x="592183" y="1810465"/>
+            <a:ext cx="10946674" cy="4581386"/>
           </a:xfrm>
           <a:prstGeom prst="rect">
             <a:avLst/>
